--- a/вебы/презентация/Веб-сервис для коллективных переводов.pptx
+++ b/вебы/презентация/Веб-сервис для коллективных переводов.pptx
@@ -9,14 +9,26 @@
     <p:sldId id="267" r:id="rId3"/>
     <p:sldId id="259" r:id="rId4"/>
     <p:sldId id="257" r:id="rId5"/>
-    <p:sldId id="260" r:id="rId6"/>
-    <p:sldId id="265" r:id="rId7"/>
-    <p:sldId id="261" r:id="rId8"/>
-    <p:sldId id="262" r:id="rId9"/>
-    <p:sldId id="263" r:id="rId10"/>
-    <p:sldId id="264" r:id="rId11"/>
-    <p:sldId id="266" r:id="rId12"/>
-    <p:sldId id="268" r:id="rId13"/>
+    <p:sldId id="271" r:id="rId6"/>
+    <p:sldId id="269" r:id="rId7"/>
+    <p:sldId id="270" r:id="rId8"/>
+    <p:sldId id="265" r:id="rId9"/>
+    <p:sldId id="272" r:id="rId10"/>
+    <p:sldId id="261" r:id="rId11"/>
+    <p:sldId id="274" r:id="rId12"/>
+    <p:sldId id="273" r:id="rId13"/>
+    <p:sldId id="275" r:id="rId14"/>
+    <p:sldId id="276" r:id="rId15"/>
+    <p:sldId id="262" r:id="rId16"/>
+    <p:sldId id="277" r:id="rId17"/>
+    <p:sldId id="264" r:id="rId18"/>
+    <p:sldId id="263" r:id="rId19"/>
+    <p:sldId id="279" r:id="rId20"/>
+    <p:sldId id="278" r:id="rId21"/>
+    <p:sldId id="280" r:id="rId22"/>
+    <p:sldId id="281" r:id="rId23"/>
+    <p:sldId id="266" r:id="rId24"/>
+    <p:sldId id="282" r:id="rId25"/>
   </p:sldIdLst>
   <p:sldSz cx="12192000" cy="6858000"/>
   <p:notesSz cx="6858000" cy="9144000"/>
@@ -128,6 +140,21 @@
             <a:srgbClr val="A4A3A4"/>
           </p15:clr>
         </p15:guide>
+        <p15:guide id="4" pos="7106" userDrawn="1">
+          <p15:clr>
+            <a:srgbClr val="A4A3A4"/>
+          </p15:clr>
+        </p15:guide>
+        <p15:guide id="6" pos="2774" userDrawn="1">
+          <p15:clr>
+            <a:srgbClr val="A4A3A4"/>
+          </p15:clr>
+        </p15:guide>
+        <p15:guide id="7" pos="6856" userDrawn="1">
+          <p15:clr>
+            <a:srgbClr val="A4A3A4"/>
+          </p15:clr>
+        </p15:guide>
       </p15:sldGuideLst>
     </p:ext>
   </p:extLst>
@@ -302,7 +329,7 @@
           <a:p>
             <a:fld id="{9BE7A985-D49C-47C6-A8CA-7A286A130B02}" type="datetimeFigureOut">
               <a:rPr lang="en-GB" smtClean="0"/>
-              <a:t>01/11/2023</a:t>
+              <a:t>26/12/2023</a:t>
             </a:fld>
             <a:endParaRPr lang="en-GB"/>
           </a:p>
@@ -530,7 +557,7 @@
           <a:p>
             <a:fld id="{9BE7A985-D49C-47C6-A8CA-7A286A130B02}" type="datetimeFigureOut">
               <a:rPr lang="en-GB" smtClean="0"/>
-              <a:t>01/11/2023</a:t>
+              <a:t>26/12/2023</a:t>
             </a:fld>
             <a:endParaRPr lang="en-GB"/>
           </a:p>
@@ -710,7 +737,7 @@
           <a:p>
             <a:fld id="{9BE7A985-D49C-47C6-A8CA-7A286A130B02}" type="datetimeFigureOut">
               <a:rPr lang="en-GB" smtClean="0"/>
-              <a:t>01/11/2023</a:t>
+              <a:t>26/12/2023</a:t>
             </a:fld>
             <a:endParaRPr lang="en-GB"/>
           </a:p>
@@ -880,7 +907,7 @@
           <a:p>
             <a:fld id="{9BE7A985-D49C-47C6-A8CA-7A286A130B02}" type="datetimeFigureOut">
               <a:rPr lang="en-GB" smtClean="0"/>
-              <a:t>01/11/2023</a:t>
+              <a:t>26/12/2023</a:t>
             </a:fld>
             <a:endParaRPr lang="en-GB"/>
           </a:p>
@@ -1134,7 +1161,7 @@
           <a:p>
             <a:fld id="{9BE7A985-D49C-47C6-A8CA-7A286A130B02}" type="datetimeFigureOut">
               <a:rPr lang="en-GB" smtClean="0"/>
-              <a:t>01/11/2023</a:t>
+              <a:t>26/12/2023</a:t>
             </a:fld>
             <a:endParaRPr lang="en-GB"/>
           </a:p>
@@ -1460,7 +1487,7 @@
           <a:p>
             <a:fld id="{9BE7A985-D49C-47C6-A8CA-7A286A130B02}" type="datetimeFigureOut">
               <a:rPr lang="en-GB" smtClean="0"/>
-              <a:t>01/11/2023</a:t>
+              <a:t>26/12/2023</a:t>
             </a:fld>
             <a:endParaRPr lang="en-GB"/>
           </a:p>
@@ -1911,7 +1938,7 @@
           <a:p>
             <a:fld id="{9BE7A985-D49C-47C6-A8CA-7A286A130B02}" type="datetimeFigureOut">
               <a:rPr lang="en-GB" smtClean="0"/>
-              <a:t>01/11/2023</a:t>
+              <a:t>26/12/2023</a:t>
             </a:fld>
             <a:endParaRPr lang="en-GB"/>
           </a:p>
@@ -2029,7 +2056,7 @@
           <a:p>
             <a:fld id="{9BE7A985-D49C-47C6-A8CA-7A286A130B02}" type="datetimeFigureOut">
               <a:rPr lang="en-GB" smtClean="0"/>
-              <a:t>01/11/2023</a:t>
+              <a:t>26/12/2023</a:t>
             </a:fld>
             <a:endParaRPr lang="en-GB"/>
           </a:p>
@@ -2124,7 +2151,7 @@
           <a:p>
             <a:fld id="{9BE7A985-D49C-47C6-A8CA-7A286A130B02}" type="datetimeFigureOut">
               <a:rPr lang="en-GB" smtClean="0"/>
-              <a:t>01/11/2023</a:t>
+              <a:t>26/12/2023</a:t>
             </a:fld>
             <a:endParaRPr lang="en-GB"/>
           </a:p>
@@ -2411,7 +2438,7 @@
           <a:p>
             <a:fld id="{9BE7A985-D49C-47C6-A8CA-7A286A130B02}" type="datetimeFigureOut">
               <a:rPr lang="en-GB" smtClean="0"/>
-              <a:t>01/11/2023</a:t>
+              <a:t>26/12/2023</a:t>
             </a:fld>
             <a:endParaRPr lang="en-GB"/>
           </a:p>
@@ -2733,7 +2760,7 @@
           <a:p>
             <a:fld id="{9BE7A985-D49C-47C6-A8CA-7A286A130B02}" type="datetimeFigureOut">
               <a:rPr lang="en-GB" smtClean="0"/>
-              <a:t>01/11/2023</a:t>
+              <a:t>26/12/2023</a:t>
             </a:fld>
             <a:endParaRPr lang="en-GB"/>
           </a:p>
@@ -2987,7 +3014,7 @@
           <a:p>
             <a:fld id="{9BE7A985-D49C-47C6-A8CA-7A286A130B02}" type="datetimeFigureOut">
               <a:rPr lang="en-GB" smtClean="0"/>
-              <a:t>01/11/2023</a:t>
+              <a:t>26/12/2023</a:t>
             </a:fld>
             <a:endParaRPr lang="en-GB"/>
           </a:p>
@@ -3594,7 +3621,7 @@
           <a:p>
             <a:r>
               <a:rPr lang="ru-RU" dirty="0"/>
-              <a:t>Создание проекта</a:t>
+              <a:t>Страница регистрации</a:t>
             </a:r>
             <a:endParaRPr lang="en-GB" dirty="0"/>
           </a:p>
@@ -3612,14 +3639,18 @@
         </p:nvSpPr>
         <p:spPr/>
         <p:txBody>
-          <a:bodyPr>
-            <a:normAutofit lnSpcReduction="10000"/>
-          </a:bodyPr>
-          <a:lstStyle/>
-          <a:p>
-            <a:r>
-              <a:rPr lang="ru-RU" dirty="0"/>
-              <a:t>При создании проекта пользователь становится владельцем этого проекта. Владелец настраивает не только название и обложку проекта, но также может:</a:t>
+          <a:bodyPr/>
+          <a:lstStyle/>
+          <a:p>
+            <a:r>
+              <a:rPr lang="ru-RU" dirty="0"/>
+              <a:t>Страница, на которой неавторизованный пользователь может создать учетную запись. Есть поля ввода почты, логина, который должен быть уникальным, пароля и повторения пароля.</a:t>
+            </a:r>
+          </a:p>
+          <a:p>
+            <a:r>
+              <a:rPr lang="ru-RU" dirty="0"/>
+              <a:t>Функционал:</a:t>
             </a:r>
           </a:p>
           <a:p>
@@ -3629,27 +3660,7 @@
             </a:pPr>
             <a:r>
               <a:rPr lang="ru-RU" dirty="0"/>
-              <a:t>добавить ему уникальную ссылку для удобства перехода через адресную строку;</a:t>
-            </a:r>
-          </a:p>
-          <a:p>
-            <a:pPr marL="285750" indent="-285750">
-              <a:buFont typeface="Arial" panose="020B0604020202020204" pitchFamily="34" charset="0"/>
-              <a:buChar char="•"/>
-            </a:pPr>
-            <a:r>
-              <a:rPr lang="ru-RU" dirty="0"/>
-              <a:t>указать язык оригинала и язык перевода для удобства поиска проектов переводчиками;</a:t>
-            </a:r>
-          </a:p>
-          <a:p>
-            <a:pPr marL="285750" indent="-285750">
-              <a:buFont typeface="Arial" panose="020B0604020202020204" pitchFamily="34" charset="0"/>
-              <a:buChar char="•"/>
-            </a:pPr>
-            <a:r>
-              <a:rPr lang="ru-RU" dirty="0"/>
-              <a:t>указать доступность проекта: если проект будет приватным, пользователи не будут его видеть и не смогут присоединиться, пока владелец их не пригласит.</a:t>
+              <a:t>По кнопке "Зарегистрироваться", если поля заполнены правильно, создается новая учетная запись.</a:t>
             </a:r>
             <a:endParaRPr lang="en-GB" dirty="0"/>
           </a:p>
@@ -3657,38 +3668,53 @@
       </p:sp>
       <p:pic>
         <p:nvPicPr>
-          <p:cNvPr id="5" name="Рисунок 4"/>
+          <p:cNvPr id="5122" name="Picture 2">
+            <a:extLst>
+              <a:ext uri="{FF2B5EF4-FFF2-40B4-BE49-F238E27FC236}">
+                <a16:creationId xmlns:a16="http://schemas.microsoft.com/office/drawing/2014/main" id="{DC29DA32-1134-46CC-9E25-B6DF1AC6E60D}"/>
+              </a:ext>
+            </a:extLst>
+          </p:cNvPr>
           <p:cNvPicPr>
-            <a:picLocks noChangeAspect="1"/>
+            <a:picLocks noChangeAspect="1" noChangeArrowheads="1"/>
           </p:cNvPicPr>
           <p:nvPr/>
         </p:nvPicPr>
         <p:blipFill>
-          <a:blip r:embed="rId2" cstate="print">
+          <a:blip r:embed="rId2">
             <a:extLst>
               <a:ext uri="{28A0092B-C50C-407E-A947-70E740481C1C}">
                 <a14:useLocalDpi xmlns:a14="http://schemas.microsoft.com/office/drawing/2010/main" val="0"/>
               </a:ext>
             </a:extLst>
           </a:blip>
-          <a:stretch>
-            <a:fillRect/>
-          </a:stretch>
+          <a:srcRect/>
+          <a:stretch/>
         </p:blipFill>
-        <p:spPr>
+        <p:spPr bwMode="auto">
           <a:xfrm>
-            <a:off x="4656639" y="767180"/>
-            <a:ext cx="6037576" cy="5055883"/>
+            <a:off x="4423319" y="1793528"/>
+            <a:ext cx="6474544" cy="3270943"/>
           </a:xfrm>
           <a:prstGeom prst="rect">
             <a:avLst/>
           </a:prstGeom>
+          <a:noFill/>
+          <a:extLst>
+            <a:ext uri="{909E8E84-426E-40DD-AFC4-6F175D3DCCD1}">
+              <a14:hiddenFill xmlns:a14="http://schemas.microsoft.com/office/drawing/2010/main">
+                <a:solidFill>
+                  <a:srgbClr val="FFFFFF"/>
+                </a:solidFill>
+              </a14:hiddenFill>
+            </a:ext>
+          </a:extLst>
         </p:spPr>
       </p:pic>
     </p:spTree>
     <p:extLst>
       <p:ext uri="{BB962C8B-B14F-4D97-AF65-F5344CB8AC3E}">
-        <p14:creationId xmlns:p14="http://schemas.microsoft.com/office/powerpoint/2010/main" val="786346452"/>
+        <p14:creationId xmlns:p14="http://schemas.microsoft.com/office/powerpoint/2010/main" val="2747411671"/>
       </p:ext>
     </p:extLst>
   </p:cSld>
@@ -3732,15 +3758,7 @@
           <a:p>
             <a:r>
               <a:rPr lang="ru-RU" dirty="0"/>
-              <a:t>Источники</a:t>
-            </a:r>
-            <a:r>
-              <a:rPr lang="en-US" dirty="0"/>
-              <a:t> </a:t>
-            </a:r>
-            <a:r>
-              <a:rPr lang="ru-RU" dirty="0"/>
-              <a:t>и инструменты</a:t>
+              <a:t>Страница авторизации</a:t>
             </a:r>
             <a:endParaRPr lang="en-GB" dirty="0"/>
           </a:p>
@@ -3748,78 +3766,92 @@
       </p:sp>
       <p:sp>
         <p:nvSpPr>
-          <p:cNvPr id="3" name="Объект 2"/>
-          <p:cNvSpPr>
-            <a:spLocks noGrp="1"/>
-          </p:cNvSpPr>
-          <p:nvPr>
-            <p:ph idx="1"/>
-          </p:nvPr>
-        </p:nvSpPr>
-        <p:spPr/>
-        <p:txBody>
-          <a:bodyPr/>
-          <a:lstStyle/>
-          <a:p>
-            <a:r>
-              <a:rPr lang="ru-RU" dirty="0"/>
-              <a:t>Система коллективных переводов </a:t>
-            </a:r>
-            <a:r>
-              <a:rPr lang="en-US" dirty="0"/>
-              <a:t>Notabenoid </a:t>
-            </a:r>
-            <a:r>
-              <a:rPr lang="ru-RU" dirty="0"/>
-              <a:t>– </a:t>
-            </a:r>
-            <a:r>
-              <a:rPr lang="en-US" dirty="0">
-                <a:hlinkClick r:id="rId2"/>
-              </a:rPr>
-              <a:t>http://notabenoid.org/</a:t>
-            </a:r>
-            <a:endParaRPr lang="en-US" dirty="0"/>
-          </a:p>
-          <a:p>
-            <a:r>
-              <a:rPr lang="en-GB" dirty="0"/>
-              <a:t>Localization management platform for agile teams – </a:t>
-            </a:r>
-            <a:r>
-              <a:rPr lang="en-GB" dirty="0">
-                <a:hlinkClick r:id="rId3"/>
-              </a:rPr>
-              <a:t>https://crowdin.com/</a:t>
+          <p:cNvPr id="4" name="Текст 3"/>
+          <p:cNvSpPr>
+            <a:spLocks noGrp="1"/>
+          </p:cNvSpPr>
+          <p:nvPr>
+            <p:ph type="body" sz="half" idx="2"/>
+          </p:nvPr>
+        </p:nvSpPr>
+        <p:spPr/>
+        <p:txBody>
+          <a:bodyPr/>
+          <a:lstStyle/>
+          <a:p>
+            <a:r>
+              <a:rPr lang="ru-RU" dirty="0"/>
+              <a:t>Страница, на которой неавторизованный пользователь входит в учетную запись. Есть поля ввода логина и пароля.</a:t>
+            </a:r>
+          </a:p>
+          <a:p>
+            <a:r>
+              <a:rPr lang="ru-RU" dirty="0"/>
+              <a:t>Функционал:</a:t>
+            </a:r>
+          </a:p>
+          <a:p>
+            <a:pPr marL="285750" indent="-285750">
+              <a:buFont typeface="Arial" panose="020B0604020202020204" pitchFamily="34" charset="0"/>
+              <a:buChar char="•"/>
+            </a:pPr>
+            <a:r>
+              <a:rPr lang="ru-RU" dirty="0"/>
+              <a:t>По кнопке "Войти" пользователь входит в учетную запись, если поля введены правильно.</a:t>
             </a:r>
             <a:endParaRPr lang="en-GB" dirty="0"/>
           </a:p>
-          <a:p>
-            <a:r>
-              <a:rPr lang="ru-RU" dirty="0"/>
-              <a:t>Документация </a:t>
-            </a:r>
-            <a:r>
-              <a:rPr lang="en-US" dirty="0"/>
-              <a:t>Bootstrap – </a:t>
-            </a:r>
-            <a:r>
-              <a:rPr lang="en-US" dirty="0">
-                <a:hlinkClick r:id="rId4"/>
-              </a:rPr>
-              <a:t>https://getbootstrap.com/docs/5.3</a:t>
-            </a:r>
-            <a:endParaRPr lang="en-US" dirty="0"/>
-          </a:p>
-          <a:p>
-            <a:endParaRPr lang="en-GB" dirty="0"/>
-          </a:p>
-        </p:txBody>
-      </p:sp>
+        </p:txBody>
+      </p:sp>
+      <p:pic>
+        <p:nvPicPr>
+          <p:cNvPr id="6" name="Picture 4">
+            <a:extLst>
+              <a:ext uri="{FF2B5EF4-FFF2-40B4-BE49-F238E27FC236}">
+                <a16:creationId xmlns:a16="http://schemas.microsoft.com/office/drawing/2014/main" id="{D47D20CC-E93A-440E-973B-A8505F60399B}"/>
+              </a:ext>
+            </a:extLst>
+          </p:cNvPr>
+          <p:cNvPicPr>
+            <a:picLocks noChangeAspect="1" noChangeArrowheads="1"/>
+          </p:cNvPicPr>
+          <p:nvPr/>
+        </p:nvPicPr>
+        <p:blipFill>
+          <a:blip r:embed="rId2">
+            <a:extLst>
+              <a:ext uri="{28A0092B-C50C-407E-A947-70E740481C1C}">
+                <a14:useLocalDpi xmlns:a14="http://schemas.microsoft.com/office/drawing/2010/main" val="0"/>
+              </a:ext>
+            </a:extLst>
+          </a:blip>
+          <a:srcRect/>
+          <a:stretch/>
+        </p:blipFill>
+        <p:spPr bwMode="auto">
+          <a:xfrm>
+            <a:off x="4421979" y="1837104"/>
+            <a:ext cx="6478699" cy="3183790"/>
+          </a:xfrm>
+          <a:prstGeom prst="rect">
+            <a:avLst/>
+          </a:prstGeom>
+          <a:noFill/>
+          <a:extLst>
+            <a:ext uri="{909E8E84-426E-40DD-AFC4-6F175D3DCCD1}">
+              <a14:hiddenFill xmlns:a14="http://schemas.microsoft.com/office/drawing/2010/main">
+                <a:solidFill>
+                  <a:srgbClr val="FFFFFF"/>
+                </a:solidFill>
+              </a14:hiddenFill>
+            </a:ext>
+          </a:extLst>
+        </p:spPr>
+      </p:pic>
     </p:spTree>
     <p:extLst>
       <p:ext uri="{BB962C8B-B14F-4D97-AF65-F5344CB8AC3E}">
-        <p14:creationId xmlns:p14="http://schemas.microsoft.com/office/powerpoint/2010/main" val="3870391484"/>
+        <p14:creationId xmlns:p14="http://schemas.microsoft.com/office/powerpoint/2010/main" val="20430120"/>
       </p:ext>
     </p:extLst>
   </p:cSld>
@@ -3863,7 +3895,7 @@
           <a:p>
             <a:r>
               <a:rPr lang="ru-RU" dirty="0"/>
-              <a:t>Дальнейшая работа</a:t>
+              <a:t>Главная страница</a:t>
             </a:r>
             <a:endParaRPr lang="en-GB" dirty="0"/>
           </a:p>
@@ -3871,103 +3903,1197 @@
       </p:sp>
       <p:sp>
         <p:nvSpPr>
-          <p:cNvPr id="3" name="Объект 2"/>
-          <p:cNvSpPr>
-            <a:spLocks noGrp="1"/>
-          </p:cNvSpPr>
-          <p:nvPr>
-            <p:ph idx="1"/>
-          </p:nvPr>
-        </p:nvSpPr>
-        <p:spPr/>
-        <p:txBody>
-          <a:bodyPr/>
-          <a:lstStyle/>
-          <a:p>
-            <a:r>
-              <a:rPr lang="ru-RU" dirty="0"/>
-              <a:t>Далее следует проработать макеты всех веб-страниц и приступить к </a:t>
-            </a:r>
-            <a:r>
-              <a:rPr lang="en-US" dirty="0"/>
-              <a:t>frontend </a:t>
-            </a:r>
-            <a:r>
-              <a:rPr lang="ru-RU" dirty="0"/>
-              <a:t>разработке</a:t>
-            </a:r>
-            <a:r>
-              <a:rPr lang="en-US" dirty="0"/>
-              <a:t>.</a:t>
-            </a:r>
-          </a:p>
-          <a:p>
-            <a:r>
-              <a:rPr lang="ru-RU" dirty="0"/>
-              <a:t>Для разработки планируется использование </a:t>
-            </a:r>
-            <a:r>
-              <a:rPr lang="en-US" dirty="0"/>
-              <a:t>JavaScript </a:t>
-            </a:r>
-            <a:r>
-              <a:rPr lang="ru-RU" dirty="0"/>
-              <a:t>библиотеки </a:t>
-            </a:r>
-            <a:r>
-              <a:rPr lang="en-US" dirty="0"/>
-              <a:t>React</a:t>
-            </a:r>
-            <a:r>
-              <a:rPr lang="ru-RU" dirty="0"/>
-              <a:t>.</a:t>
-            </a:r>
-          </a:p>
-          <a:p>
-            <a:r>
-              <a:rPr lang="ru-RU" dirty="0"/>
-              <a:t>Необходимо изучить использование </a:t>
-            </a:r>
-            <a:r>
-              <a:rPr lang="en-US" dirty="0"/>
-              <a:t>React, </a:t>
-            </a:r>
-            <a:r>
-              <a:rPr lang="ru-RU" dirty="0"/>
-              <a:t>научиться взаимодействовать с </a:t>
-            </a:r>
-            <a:r>
-              <a:rPr lang="en-US" dirty="0"/>
-              <a:t>API </a:t>
-            </a:r>
-            <a:r>
-              <a:rPr lang="ru-RU" dirty="0"/>
-              <a:t>и тщательно проработать связь </a:t>
-            </a:r>
-            <a:r>
-              <a:rPr lang="en-US" dirty="0"/>
-              <a:t>frontend </a:t>
-            </a:r>
-            <a:r>
-              <a:rPr lang="ru-RU" dirty="0"/>
-              <a:t>и </a:t>
-            </a:r>
-            <a:r>
-              <a:rPr lang="en-US" dirty="0"/>
-              <a:t>backend </a:t>
-            </a:r>
-            <a:r>
-              <a:rPr lang="ru-RU" dirty="0"/>
-              <a:t>частей проекта для его быстрой и правильной работы.</a:t>
+          <p:cNvPr id="4" name="Текст 3"/>
+          <p:cNvSpPr>
+            <a:spLocks noGrp="1"/>
+          </p:cNvSpPr>
+          <p:nvPr>
+            <p:ph type="body" sz="half" idx="2"/>
+          </p:nvPr>
+        </p:nvSpPr>
+        <p:spPr/>
+        <p:txBody>
+          <a:bodyPr>
+            <a:normAutofit/>
+          </a:bodyPr>
+          <a:lstStyle/>
+          <a:p>
+            <a:r>
+              <a:rPr lang="ru-RU" dirty="0"/>
+              <a:t>На странице есть списки недавних и популярных проектов, хранящие проекты с обложкой, названием и кратким описанием, также краткое описание предназначения сайта с кнопкой создания проекта.</a:t>
+            </a:r>
+          </a:p>
+          <a:p>
+            <a:r>
+              <a:rPr lang="ru-RU" dirty="0"/>
+              <a:t>Функционал:</a:t>
+            </a:r>
+          </a:p>
+          <a:p>
+            <a:pPr marL="285750" indent="-285750">
+              <a:buFont typeface="Arial" panose="020B0604020202020204" pitchFamily="34" charset="0"/>
+              <a:buChar char="•"/>
+            </a:pPr>
+            <a:r>
+              <a:rPr lang="ru-RU" dirty="0"/>
+              <a:t>Перейти на страницу проекта, нажав на название проекта из списка популярных и недавних проектов.</a:t>
+            </a:r>
+          </a:p>
+          <a:p>
+            <a:pPr marL="285750" indent="-285750">
+              <a:buFont typeface="Arial" panose="020B0604020202020204" pitchFamily="34" charset="0"/>
+              <a:buChar char="•"/>
+            </a:pPr>
+            <a:r>
+              <a:rPr lang="ru-RU" dirty="0"/>
+              <a:t>Нажать на кнопку "Создать проект" и перейти на страницу создания проекта.</a:t>
             </a:r>
             <a:endParaRPr lang="en-GB" dirty="0"/>
           </a:p>
         </p:txBody>
       </p:sp>
+      <p:pic>
+        <p:nvPicPr>
+          <p:cNvPr id="5" name="Рисунок 4"/>
+          <p:cNvPicPr>
+            <a:picLocks noChangeAspect="1"/>
+          </p:cNvPicPr>
+          <p:nvPr/>
+        </p:nvPicPr>
+        <p:blipFill>
+          <a:blip r:embed="rId2">
+            <a:extLst>
+              <a:ext uri="{28A0092B-C50C-407E-A947-70E740481C1C}">
+                <a14:useLocalDpi xmlns:a14="http://schemas.microsoft.com/office/drawing/2010/main" val="0"/>
+              </a:ext>
+            </a:extLst>
+          </a:blip>
+          <a:srcRect/>
+          <a:stretch/>
+        </p:blipFill>
+        <p:spPr>
+          <a:xfrm>
+            <a:off x="4428892" y="1140748"/>
+            <a:ext cx="6480175" cy="4576503"/>
+          </a:xfrm>
+          <a:prstGeom prst="rect">
+            <a:avLst/>
+          </a:prstGeom>
+        </p:spPr>
+      </p:pic>
     </p:spTree>
     <p:extLst>
       <p:ext uri="{BB962C8B-B14F-4D97-AF65-F5344CB8AC3E}">
-        <p14:creationId xmlns:p14="http://schemas.microsoft.com/office/powerpoint/2010/main" val="1772224180"/>
+        <p14:creationId xmlns:p14="http://schemas.microsoft.com/office/powerpoint/2010/main" val="4064808795"/>
+      </p:ext>
+    </p:extLst>
+  </p:cSld>
+  <p:clrMapOvr>
+    <a:masterClrMapping/>
+  </p:clrMapOvr>
+</p:sld>
+</file>
+
+<file path=ppt/slides/slide13.xml><?xml version="1.0" encoding="utf-8"?>
+<p:sld xmlns:a="http://schemas.openxmlformats.org/drawingml/2006/main" xmlns:r="http://schemas.openxmlformats.org/officeDocument/2006/relationships" xmlns:p="http://schemas.openxmlformats.org/presentationml/2006/main">
+  <p:cSld>
+    <p:spTree>
+      <p:nvGrpSpPr>
+        <p:cNvPr id="1" name=""/>
+        <p:cNvGrpSpPr/>
+        <p:nvPr/>
+      </p:nvGrpSpPr>
+      <p:grpSpPr>
+        <a:xfrm>
+          <a:off x="0" y="0"/>
+          <a:ext cx="0" cy="0"/>
+          <a:chOff x="0" y="0"/>
+          <a:chExt cx="0" cy="0"/>
+        </a:xfrm>
+      </p:grpSpPr>
+      <p:sp>
+        <p:nvSpPr>
+          <p:cNvPr id="2" name="Заголовок 1"/>
+          <p:cNvSpPr>
+            <a:spLocks noGrp="1"/>
+          </p:cNvSpPr>
+          <p:nvPr>
+            <p:ph type="title"/>
+          </p:nvPr>
+        </p:nvSpPr>
+        <p:spPr/>
+        <p:txBody>
+          <a:bodyPr/>
+          <a:lstStyle/>
+          <a:p>
+            <a:r>
+              <a:rPr lang="ru-RU" dirty="0"/>
+              <a:t>Список проектов</a:t>
+            </a:r>
+            <a:endParaRPr lang="en-GB" dirty="0"/>
+          </a:p>
+        </p:txBody>
+      </p:sp>
+      <p:sp>
+        <p:nvSpPr>
+          <p:cNvPr id="4" name="Текст 3"/>
+          <p:cNvSpPr>
+            <a:spLocks noGrp="1"/>
+          </p:cNvSpPr>
+          <p:nvPr>
+            <p:ph type="body" sz="half" idx="2"/>
+          </p:nvPr>
+        </p:nvSpPr>
+        <p:spPr/>
+        <p:txBody>
+          <a:bodyPr>
+            <a:normAutofit lnSpcReduction="10000"/>
+          </a:bodyPr>
+          <a:lstStyle/>
+          <a:p>
+            <a:r>
+              <a:rPr lang="ru-RU" dirty="0"/>
+              <a:t>На странице должен быть виден список проектов пользователя. Ячейка проекта содержит обложку, название и роль пользователя в проекте. Страница недоступна для неавторизованного пользователя. Есть кнопка "Создать проект", при нажатии на которую пользователь перенаправляется на страницу создания проекта.</a:t>
+            </a:r>
+          </a:p>
+          <a:p>
+            <a:r>
+              <a:rPr lang="ru-RU" dirty="0"/>
+              <a:t>Функционал:</a:t>
+            </a:r>
+          </a:p>
+          <a:p>
+            <a:pPr marL="285750" indent="-285750">
+              <a:buFont typeface="Arial" panose="020B0604020202020204" pitchFamily="34" charset="0"/>
+              <a:buChar char="•"/>
+            </a:pPr>
+            <a:r>
+              <a:rPr lang="ru-RU" dirty="0"/>
+              <a:t>Перейти на страницу создания проекта.</a:t>
+            </a:r>
+          </a:p>
+          <a:p>
+            <a:pPr marL="285750" indent="-285750">
+              <a:buFont typeface="Arial" panose="020B0604020202020204" pitchFamily="34" charset="0"/>
+              <a:buChar char="•"/>
+            </a:pPr>
+            <a:r>
+              <a:rPr lang="ru-RU" dirty="0"/>
+              <a:t>Нажать на название одного из проектов и перейти на его страницу.</a:t>
+            </a:r>
+            <a:endParaRPr lang="en-GB" dirty="0"/>
+          </a:p>
+        </p:txBody>
+      </p:sp>
+      <p:pic>
+        <p:nvPicPr>
+          <p:cNvPr id="6146" name="Picture 2">
+            <a:extLst>
+              <a:ext uri="{FF2B5EF4-FFF2-40B4-BE49-F238E27FC236}">
+                <a16:creationId xmlns:a16="http://schemas.microsoft.com/office/drawing/2014/main" id="{C9BE3745-9572-48A6-814E-6C7DDEA3ACC3}"/>
+              </a:ext>
+            </a:extLst>
+          </p:cNvPr>
+          <p:cNvPicPr>
+            <a:picLocks noChangeAspect="1" noChangeArrowheads="1"/>
+          </p:cNvPicPr>
+          <p:nvPr/>
+        </p:nvPicPr>
+        <p:blipFill>
+          <a:blip r:embed="rId2">
+            <a:extLst>
+              <a:ext uri="{28A0092B-C50C-407E-A947-70E740481C1C}">
+                <a14:useLocalDpi xmlns:a14="http://schemas.microsoft.com/office/drawing/2010/main" val="0"/>
+              </a:ext>
+            </a:extLst>
+          </a:blip>
+          <a:srcRect/>
+          <a:stretch/>
+        </p:blipFill>
+        <p:spPr bwMode="auto">
+          <a:xfrm>
+            <a:off x="4430598" y="1782079"/>
+            <a:ext cx="6476763" cy="3293841"/>
+          </a:xfrm>
+          <a:prstGeom prst="rect">
+            <a:avLst/>
+          </a:prstGeom>
+          <a:noFill/>
+          <a:extLst>
+            <a:ext uri="{909E8E84-426E-40DD-AFC4-6F175D3DCCD1}">
+              <a14:hiddenFill xmlns:a14="http://schemas.microsoft.com/office/drawing/2010/main">
+                <a:solidFill>
+                  <a:srgbClr val="FFFFFF"/>
+                </a:solidFill>
+              </a14:hiddenFill>
+            </a:ext>
+          </a:extLst>
+        </p:spPr>
+      </p:pic>
+    </p:spTree>
+    <p:extLst>
+      <p:ext uri="{BB962C8B-B14F-4D97-AF65-F5344CB8AC3E}">
+        <p14:creationId xmlns:p14="http://schemas.microsoft.com/office/powerpoint/2010/main" val="1160166139"/>
+      </p:ext>
+    </p:extLst>
+  </p:cSld>
+  <p:clrMapOvr>
+    <a:masterClrMapping/>
+  </p:clrMapOvr>
+</p:sld>
+</file>
+
+<file path=ppt/slides/slide14.xml><?xml version="1.0" encoding="utf-8"?>
+<p:sld xmlns:a="http://schemas.openxmlformats.org/drawingml/2006/main" xmlns:r="http://schemas.openxmlformats.org/officeDocument/2006/relationships" xmlns:p="http://schemas.openxmlformats.org/presentationml/2006/main">
+  <p:cSld>
+    <p:spTree>
+      <p:nvGrpSpPr>
+        <p:cNvPr id="1" name=""/>
+        <p:cNvGrpSpPr/>
+        <p:nvPr/>
+      </p:nvGrpSpPr>
+      <p:grpSpPr>
+        <a:xfrm>
+          <a:off x="0" y="0"/>
+          <a:ext cx="0" cy="0"/>
+          <a:chOff x="0" y="0"/>
+          <a:chExt cx="0" cy="0"/>
+        </a:xfrm>
+      </p:grpSpPr>
+      <p:sp>
+        <p:nvSpPr>
+          <p:cNvPr id="2" name="Заголовок 1"/>
+          <p:cNvSpPr>
+            <a:spLocks noGrp="1"/>
+          </p:cNvSpPr>
+          <p:nvPr>
+            <p:ph type="title"/>
+          </p:nvPr>
+        </p:nvSpPr>
+        <p:spPr/>
+        <p:txBody>
+          <a:bodyPr/>
+          <a:lstStyle/>
+          <a:p>
+            <a:r>
+              <a:rPr lang="ru-RU" dirty="0"/>
+              <a:t>Список приглашений</a:t>
+            </a:r>
+            <a:endParaRPr lang="en-GB" dirty="0"/>
+          </a:p>
+        </p:txBody>
+      </p:sp>
+      <p:sp>
+        <p:nvSpPr>
+          <p:cNvPr id="4" name="Текст 3"/>
+          <p:cNvSpPr>
+            <a:spLocks noGrp="1"/>
+          </p:cNvSpPr>
+          <p:nvPr>
+            <p:ph type="body" sz="half" idx="2"/>
+          </p:nvPr>
+        </p:nvSpPr>
+        <p:spPr/>
+        <p:txBody>
+          <a:bodyPr>
+            <a:normAutofit/>
+          </a:bodyPr>
+          <a:lstStyle/>
+          <a:p>
+            <a:r>
+              <a:rPr lang="ru-RU" dirty="0"/>
+              <a:t>На странице находится список всех приглашений пользователя. Каждое приглашение имеет название проекта, обложку проекта, человека, пригласившего пользователя и кнопки "Принять" и "Отклонить".</a:t>
+            </a:r>
+          </a:p>
+          <a:p>
+            <a:r>
+              <a:rPr lang="ru-RU" dirty="0"/>
+              <a:t>Функционал:</a:t>
+            </a:r>
+          </a:p>
+          <a:p>
+            <a:pPr marL="285750" indent="-285750">
+              <a:buFont typeface="Arial" panose="020B0604020202020204" pitchFamily="34" charset="0"/>
+              <a:buChar char="•"/>
+            </a:pPr>
+            <a:r>
+              <a:rPr lang="ru-RU" dirty="0"/>
+              <a:t>Принять приглашение.</a:t>
+            </a:r>
+          </a:p>
+          <a:p>
+            <a:pPr marL="285750" indent="-285750">
+              <a:buFont typeface="Arial" panose="020B0604020202020204" pitchFamily="34" charset="0"/>
+              <a:buChar char="•"/>
+            </a:pPr>
+            <a:r>
+              <a:rPr lang="ru-RU" dirty="0"/>
+              <a:t>Отклонить приглашение.</a:t>
+            </a:r>
+            <a:endParaRPr lang="en-GB" dirty="0"/>
+          </a:p>
+        </p:txBody>
+      </p:sp>
+      <p:pic>
+        <p:nvPicPr>
+          <p:cNvPr id="8194" name="Picture 2">
+            <a:extLst>
+              <a:ext uri="{FF2B5EF4-FFF2-40B4-BE49-F238E27FC236}">
+                <a16:creationId xmlns:a16="http://schemas.microsoft.com/office/drawing/2014/main" id="{C82A1E2C-9C99-45E6-95A9-092A66AE0369}"/>
+              </a:ext>
+            </a:extLst>
+          </p:cNvPr>
+          <p:cNvPicPr>
+            <a:picLocks noChangeAspect="1" noChangeArrowheads="1"/>
+          </p:cNvPicPr>
+          <p:nvPr/>
+        </p:nvPicPr>
+        <p:blipFill>
+          <a:blip r:embed="rId2">
+            <a:extLst>
+              <a:ext uri="{28A0092B-C50C-407E-A947-70E740481C1C}">
+                <a14:useLocalDpi xmlns:a14="http://schemas.microsoft.com/office/drawing/2010/main" val="0"/>
+              </a:ext>
+            </a:extLst>
+          </a:blip>
+          <a:srcRect/>
+          <a:stretch/>
+        </p:blipFill>
+        <p:spPr bwMode="auto">
+          <a:xfrm>
+            <a:off x="4403725" y="2105037"/>
+            <a:ext cx="6477959" cy="2647924"/>
+          </a:xfrm>
+          <a:prstGeom prst="rect">
+            <a:avLst/>
+          </a:prstGeom>
+          <a:noFill/>
+          <a:extLst>
+            <a:ext uri="{909E8E84-426E-40DD-AFC4-6F175D3DCCD1}">
+              <a14:hiddenFill xmlns:a14="http://schemas.microsoft.com/office/drawing/2010/main">
+                <a:solidFill>
+                  <a:srgbClr val="FFFFFF"/>
+                </a:solidFill>
+              </a14:hiddenFill>
+            </a:ext>
+          </a:extLst>
+        </p:spPr>
+      </p:pic>
+    </p:spTree>
+    <p:extLst>
+      <p:ext uri="{BB962C8B-B14F-4D97-AF65-F5344CB8AC3E}">
+        <p14:creationId xmlns:p14="http://schemas.microsoft.com/office/powerpoint/2010/main" val="1968784184"/>
+      </p:ext>
+    </p:extLst>
+  </p:cSld>
+  <p:clrMapOvr>
+    <a:masterClrMapping/>
+  </p:clrMapOvr>
+</p:sld>
+</file>
+
+<file path=ppt/slides/slide15.xml><?xml version="1.0" encoding="utf-8"?>
+<p:sld xmlns:a="http://schemas.openxmlformats.org/drawingml/2006/main" xmlns:r="http://schemas.openxmlformats.org/officeDocument/2006/relationships" xmlns:p="http://schemas.openxmlformats.org/presentationml/2006/main">
+  <p:cSld>
+    <p:spTree>
+      <p:nvGrpSpPr>
+        <p:cNvPr id="1" name=""/>
+        <p:cNvGrpSpPr/>
+        <p:nvPr/>
+      </p:nvGrpSpPr>
+      <p:grpSpPr>
+        <a:xfrm>
+          <a:off x="0" y="0"/>
+          <a:ext cx="0" cy="0"/>
+          <a:chOff x="0" y="0"/>
+          <a:chExt cx="0" cy="0"/>
+        </a:xfrm>
+      </p:grpSpPr>
+      <p:sp>
+        <p:nvSpPr>
+          <p:cNvPr id="2" name="Заголовок 1"/>
+          <p:cNvSpPr>
+            <a:spLocks noGrp="1"/>
+          </p:cNvSpPr>
+          <p:nvPr>
+            <p:ph type="title"/>
+          </p:nvPr>
+        </p:nvSpPr>
+        <p:spPr/>
+        <p:txBody>
+          <a:bodyPr/>
+          <a:lstStyle/>
+          <a:p>
+            <a:r>
+              <a:rPr lang="ru-RU" dirty="0"/>
+              <a:t>Страница пользователя</a:t>
+            </a:r>
+            <a:endParaRPr lang="en-GB" dirty="0"/>
+          </a:p>
+        </p:txBody>
+      </p:sp>
+      <p:sp>
+        <p:nvSpPr>
+          <p:cNvPr id="4" name="Текст 3"/>
+          <p:cNvSpPr>
+            <a:spLocks noGrp="1"/>
+          </p:cNvSpPr>
+          <p:nvPr>
+            <p:ph type="body" sz="half" idx="2"/>
+          </p:nvPr>
+        </p:nvSpPr>
+        <p:spPr/>
+        <p:txBody>
+          <a:bodyPr>
+            <a:normAutofit/>
+          </a:bodyPr>
+          <a:lstStyle/>
+          <a:p>
+            <a:r>
+              <a:rPr lang="ru-RU" dirty="0"/>
+              <a:t>Страница с информацией о пользователе: его аватар, информация о пользователе (которую он до этого ввел сам), проекты, в которых он участвует. Есть кнопка создания проекта и список проектов пользователя.</a:t>
+            </a:r>
+          </a:p>
+          <a:p>
+            <a:r>
+              <a:rPr lang="ru-RU" dirty="0"/>
+              <a:t>Функционал:</a:t>
+            </a:r>
+          </a:p>
+          <a:p>
+            <a:pPr marL="285750" indent="-285750">
+              <a:lnSpc>
+                <a:spcPct val="100000"/>
+              </a:lnSpc>
+              <a:spcBef>
+                <a:spcPts val="600"/>
+              </a:spcBef>
+              <a:buFont typeface="Arial" panose="020B0604020202020204" pitchFamily="34" charset="0"/>
+              <a:buChar char="•"/>
+            </a:pPr>
+            <a:r>
+              <a:rPr lang="ru-RU" dirty="0"/>
+              <a:t>Перейти на страницу создания проекта.</a:t>
+            </a:r>
+          </a:p>
+          <a:p>
+            <a:pPr marL="285750" indent="-285750">
+              <a:lnSpc>
+                <a:spcPct val="100000"/>
+              </a:lnSpc>
+              <a:spcBef>
+                <a:spcPts val="600"/>
+              </a:spcBef>
+              <a:buFont typeface="Arial" panose="020B0604020202020204" pitchFamily="34" charset="0"/>
+              <a:buChar char="•"/>
+            </a:pPr>
+            <a:r>
+              <a:rPr lang="ru-RU" dirty="0"/>
+              <a:t>Увидеть информацию о пользователе.</a:t>
+            </a:r>
+          </a:p>
+          <a:p>
+            <a:pPr marL="285750" indent="-285750">
+              <a:lnSpc>
+                <a:spcPct val="100000"/>
+              </a:lnSpc>
+              <a:spcBef>
+                <a:spcPts val="600"/>
+              </a:spcBef>
+              <a:buFont typeface="Arial" panose="020B0604020202020204" pitchFamily="34" charset="0"/>
+              <a:buChar char="•"/>
+            </a:pPr>
+            <a:r>
+              <a:rPr lang="ru-RU" dirty="0"/>
+              <a:t>Перейти на страницу проекта из списка.</a:t>
+            </a:r>
+            <a:endParaRPr lang="en-GB" dirty="0"/>
+          </a:p>
+        </p:txBody>
+      </p:sp>
+      <p:pic>
+        <p:nvPicPr>
+          <p:cNvPr id="9218" name="Picture 2">
+            <a:extLst>
+              <a:ext uri="{FF2B5EF4-FFF2-40B4-BE49-F238E27FC236}">
+                <a16:creationId xmlns:a16="http://schemas.microsoft.com/office/drawing/2014/main" id="{041757F8-CF25-44DF-B540-24A757F2F3D2}"/>
+              </a:ext>
+            </a:extLst>
+          </p:cNvPr>
+          <p:cNvPicPr>
+            <a:picLocks noChangeAspect="1" noChangeArrowheads="1"/>
+          </p:cNvPicPr>
+          <p:nvPr/>
+        </p:nvPicPr>
+        <p:blipFill>
+          <a:blip r:embed="rId2">
+            <a:extLst>
+              <a:ext uri="{28A0092B-C50C-407E-A947-70E740481C1C}">
+                <a14:useLocalDpi xmlns:a14="http://schemas.microsoft.com/office/drawing/2010/main" val="0"/>
+              </a:ext>
+            </a:extLst>
+          </a:blip>
+          <a:srcRect/>
+          <a:stretch/>
+        </p:blipFill>
+        <p:spPr bwMode="auto">
+          <a:xfrm>
+            <a:off x="4403726" y="1409919"/>
+            <a:ext cx="6480174" cy="4038161"/>
+          </a:xfrm>
+          <a:prstGeom prst="rect">
+            <a:avLst/>
+          </a:prstGeom>
+          <a:noFill/>
+          <a:extLst>
+            <a:ext uri="{909E8E84-426E-40DD-AFC4-6F175D3DCCD1}">
+              <a14:hiddenFill xmlns:a14="http://schemas.microsoft.com/office/drawing/2010/main">
+                <a:solidFill>
+                  <a:srgbClr val="FFFFFF"/>
+                </a:solidFill>
+              </a14:hiddenFill>
+            </a:ext>
+          </a:extLst>
+        </p:spPr>
+      </p:pic>
+    </p:spTree>
+    <p:extLst>
+      <p:ext uri="{BB962C8B-B14F-4D97-AF65-F5344CB8AC3E}">
+        <p14:creationId xmlns:p14="http://schemas.microsoft.com/office/powerpoint/2010/main" val="3191534458"/>
+      </p:ext>
+    </p:extLst>
+  </p:cSld>
+  <p:clrMapOvr>
+    <a:masterClrMapping/>
+  </p:clrMapOvr>
+</p:sld>
+</file>
+
+<file path=ppt/slides/slide16.xml><?xml version="1.0" encoding="utf-8"?>
+<p:sld xmlns:a="http://schemas.openxmlformats.org/drawingml/2006/main" xmlns:r="http://schemas.openxmlformats.org/officeDocument/2006/relationships" xmlns:p="http://schemas.openxmlformats.org/presentationml/2006/main">
+  <p:cSld>
+    <p:spTree>
+      <p:nvGrpSpPr>
+        <p:cNvPr id="1" name=""/>
+        <p:cNvGrpSpPr/>
+        <p:nvPr/>
+      </p:nvGrpSpPr>
+      <p:grpSpPr>
+        <a:xfrm>
+          <a:off x="0" y="0"/>
+          <a:ext cx="0" cy="0"/>
+          <a:chOff x="0" y="0"/>
+          <a:chExt cx="0" cy="0"/>
+        </a:xfrm>
+      </p:grpSpPr>
+      <p:sp>
+        <p:nvSpPr>
+          <p:cNvPr id="2" name="Заголовок 1"/>
+          <p:cNvSpPr>
+            <a:spLocks noGrp="1"/>
+          </p:cNvSpPr>
+          <p:nvPr>
+            <p:ph type="title"/>
+          </p:nvPr>
+        </p:nvSpPr>
+        <p:spPr/>
+        <p:txBody>
+          <a:bodyPr/>
+          <a:lstStyle/>
+          <a:p>
+            <a:r>
+              <a:rPr lang="ru-RU" dirty="0"/>
+              <a:t>Страница пользователя</a:t>
+            </a:r>
+            <a:endParaRPr lang="en-GB" dirty="0"/>
+          </a:p>
+        </p:txBody>
+      </p:sp>
+      <p:sp>
+        <p:nvSpPr>
+          <p:cNvPr id="4" name="Текст 3"/>
+          <p:cNvSpPr>
+            <a:spLocks noGrp="1"/>
+          </p:cNvSpPr>
+          <p:nvPr>
+            <p:ph type="body" sz="half" idx="2"/>
+          </p:nvPr>
+        </p:nvSpPr>
+        <p:spPr/>
+        <p:txBody>
+          <a:bodyPr>
+            <a:normAutofit/>
+          </a:bodyPr>
+          <a:lstStyle/>
+          <a:p>
+            <a:r>
+              <a:rPr lang="ru-RU" dirty="0"/>
+              <a:t>На странице есть поля для изменения настроек: Имя пользователя, описание пользователя (</a:t>
+            </a:r>
+            <a:r>
+              <a:rPr lang="ru-RU" dirty="0" err="1"/>
+              <a:t>about</a:t>
+            </a:r>
+            <a:r>
+              <a:rPr lang="ru-RU" dirty="0"/>
+              <a:t>), смена аватара (выбор файла), пол (</a:t>
+            </a:r>
+            <a:r>
+              <a:rPr lang="ru-RU" dirty="0" err="1"/>
+              <a:t>combobox</a:t>
+            </a:r>
+            <a:r>
+              <a:rPr lang="ru-RU" dirty="0"/>
+              <a:t>), доступ к аккаунту. Кнопка "Сохранить".</a:t>
+            </a:r>
+          </a:p>
+          <a:p>
+            <a:r>
+              <a:rPr lang="ru-RU" dirty="0"/>
+              <a:t>Функционал:</a:t>
+            </a:r>
+          </a:p>
+          <a:p>
+            <a:pPr marL="285750" indent="-285750">
+              <a:buFont typeface="Arial" panose="020B0604020202020204" pitchFamily="34" charset="0"/>
+              <a:buChar char="•"/>
+            </a:pPr>
+            <a:r>
+              <a:rPr lang="ru-RU" dirty="0"/>
+              <a:t>Поменять настройки аккаунта и сохранить их.</a:t>
+            </a:r>
+            <a:endParaRPr lang="en-GB" dirty="0"/>
+          </a:p>
+        </p:txBody>
+      </p:sp>
+      <p:pic>
+        <p:nvPicPr>
+          <p:cNvPr id="10242" name="Picture 2">
+            <a:extLst>
+              <a:ext uri="{FF2B5EF4-FFF2-40B4-BE49-F238E27FC236}">
+                <a16:creationId xmlns:a16="http://schemas.microsoft.com/office/drawing/2014/main" id="{F519D75B-D374-4646-82A5-48750B8DD086}"/>
+              </a:ext>
+            </a:extLst>
+          </p:cNvPr>
+          <p:cNvPicPr>
+            <a:picLocks noChangeAspect="1" noChangeArrowheads="1"/>
+          </p:cNvPicPr>
+          <p:nvPr/>
+        </p:nvPicPr>
+        <p:blipFill>
+          <a:blip r:embed="rId2">
+            <a:extLst>
+              <a:ext uri="{28A0092B-C50C-407E-A947-70E740481C1C}">
+                <a14:useLocalDpi xmlns:a14="http://schemas.microsoft.com/office/drawing/2010/main" val="0"/>
+              </a:ext>
+            </a:extLst>
+          </a:blip>
+          <a:srcRect/>
+          <a:stretch/>
+        </p:blipFill>
+        <p:spPr bwMode="auto">
+          <a:xfrm>
+            <a:off x="4403725" y="674201"/>
+            <a:ext cx="6480175" cy="5509597"/>
+          </a:xfrm>
+          <a:prstGeom prst="rect">
+            <a:avLst/>
+          </a:prstGeom>
+          <a:noFill/>
+          <a:extLst>
+            <a:ext uri="{909E8E84-426E-40DD-AFC4-6F175D3DCCD1}">
+              <a14:hiddenFill xmlns:a14="http://schemas.microsoft.com/office/drawing/2010/main">
+                <a:solidFill>
+                  <a:srgbClr val="FFFFFF"/>
+                </a:solidFill>
+              </a14:hiddenFill>
+            </a:ext>
+          </a:extLst>
+        </p:spPr>
+      </p:pic>
+    </p:spTree>
+    <p:extLst>
+      <p:ext uri="{BB962C8B-B14F-4D97-AF65-F5344CB8AC3E}">
+        <p14:creationId xmlns:p14="http://schemas.microsoft.com/office/powerpoint/2010/main" val="4110561714"/>
+      </p:ext>
+    </p:extLst>
+  </p:cSld>
+  <p:clrMapOvr>
+    <a:masterClrMapping/>
+  </p:clrMapOvr>
+</p:sld>
+</file>
+
+<file path=ppt/slides/slide17.xml><?xml version="1.0" encoding="utf-8"?>
+<p:sld xmlns:a="http://schemas.openxmlformats.org/drawingml/2006/main" xmlns:r="http://schemas.openxmlformats.org/officeDocument/2006/relationships" xmlns:p="http://schemas.openxmlformats.org/presentationml/2006/main">
+  <p:cSld>
+    <p:spTree>
+      <p:nvGrpSpPr>
+        <p:cNvPr id="1" name=""/>
+        <p:cNvGrpSpPr/>
+        <p:nvPr/>
+      </p:nvGrpSpPr>
+      <p:grpSpPr>
+        <a:xfrm>
+          <a:off x="0" y="0"/>
+          <a:ext cx="0" cy="0"/>
+          <a:chOff x="0" y="0"/>
+          <a:chExt cx="0" cy="0"/>
+        </a:xfrm>
+      </p:grpSpPr>
+      <p:sp>
+        <p:nvSpPr>
+          <p:cNvPr id="2" name="Заголовок 1"/>
+          <p:cNvSpPr>
+            <a:spLocks noGrp="1"/>
+          </p:cNvSpPr>
+          <p:nvPr>
+            <p:ph type="title"/>
+          </p:nvPr>
+        </p:nvSpPr>
+        <p:spPr/>
+        <p:txBody>
+          <a:bodyPr/>
+          <a:lstStyle/>
+          <a:p>
+            <a:r>
+              <a:rPr lang="ru-RU" dirty="0"/>
+              <a:t>Создание проекта</a:t>
+            </a:r>
+            <a:endParaRPr lang="en-GB" dirty="0"/>
+          </a:p>
+        </p:txBody>
+      </p:sp>
+      <p:sp>
+        <p:nvSpPr>
+          <p:cNvPr id="4" name="Текст 3"/>
+          <p:cNvSpPr>
+            <a:spLocks noGrp="1"/>
+          </p:cNvSpPr>
+          <p:nvPr>
+            <p:ph type="body" sz="half" idx="2"/>
+          </p:nvPr>
+        </p:nvSpPr>
+        <p:spPr/>
+        <p:txBody>
+          <a:bodyPr>
+            <a:normAutofit/>
+          </a:bodyPr>
+          <a:lstStyle/>
+          <a:p>
+            <a:r>
+              <a:rPr lang="ru-RU" dirty="0"/>
+              <a:t>На странице есть поля для заполнения данных нового проекта: название, уникальная ссылка, язык оригинала</a:t>
+            </a:r>
+            <a:r>
+              <a:rPr lang="en-US" dirty="0"/>
+              <a:t> </a:t>
+            </a:r>
+            <a:r>
+              <a:rPr lang="ru-RU" dirty="0"/>
+              <a:t>(</a:t>
+            </a:r>
+            <a:r>
+              <a:rPr lang="ru-RU" dirty="0" err="1"/>
+              <a:t>combobox</a:t>
+            </a:r>
+            <a:r>
+              <a:rPr lang="ru-RU" dirty="0"/>
+              <a:t>), язык перевода</a:t>
+            </a:r>
+            <a:r>
+              <a:rPr lang="en-US" dirty="0"/>
+              <a:t> </a:t>
+            </a:r>
+            <a:r>
+              <a:rPr lang="ru-RU" dirty="0"/>
+              <a:t>(</a:t>
+            </a:r>
+            <a:r>
+              <a:rPr lang="ru-RU" dirty="0" err="1"/>
+              <a:t>combobox</a:t>
+            </a:r>
+            <a:r>
+              <a:rPr lang="ru-RU" dirty="0"/>
+              <a:t>), обложка(выбор файла), доступ к проекту(публичный или приватный).</a:t>
+            </a:r>
+          </a:p>
+          <a:p>
+            <a:r>
+              <a:rPr lang="ru-RU" dirty="0"/>
+              <a:t>Функционал:</a:t>
+            </a:r>
+          </a:p>
+          <a:p>
+            <a:pPr marL="285750" indent="-285750">
+              <a:buFont typeface="Arial" panose="020B0604020202020204" pitchFamily="34" charset="0"/>
+              <a:buChar char="•"/>
+            </a:pPr>
+            <a:r>
+              <a:rPr lang="ru-RU" dirty="0"/>
+              <a:t>Выбрать параметры для нового проекта и создать его.</a:t>
+            </a:r>
+            <a:endParaRPr lang="en-GB" dirty="0"/>
+          </a:p>
+        </p:txBody>
+      </p:sp>
+      <p:pic>
+        <p:nvPicPr>
+          <p:cNvPr id="11266" name="Picture 2">
+            <a:extLst>
+              <a:ext uri="{FF2B5EF4-FFF2-40B4-BE49-F238E27FC236}">
+                <a16:creationId xmlns:a16="http://schemas.microsoft.com/office/drawing/2014/main" id="{B88342A3-02BA-48C7-BAE9-6681141F48F6}"/>
+              </a:ext>
+            </a:extLst>
+          </p:cNvPr>
+          <p:cNvPicPr>
+            <a:picLocks noChangeAspect="1" noChangeArrowheads="1"/>
+          </p:cNvPicPr>
+          <p:nvPr/>
+        </p:nvPicPr>
+        <p:blipFill>
+          <a:blip r:embed="rId2">
+            <a:extLst>
+              <a:ext uri="{28A0092B-C50C-407E-A947-70E740481C1C}">
+                <a14:useLocalDpi xmlns:a14="http://schemas.microsoft.com/office/drawing/2010/main" val="0"/>
+              </a:ext>
+            </a:extLst>
+          </a:blip>
+          <a:srcRect/>
+          <a:stretch/>
+        </p:blipFill>
+        <p:spPr bwMode="auto">
+          <a:xfrm>
+            <a:off x="4403725" y="1087225"/>
+            <a:ext cx="6480175" cy="4683549"/>
+          </a:xfrm>
+          <a:prstGeom prst="rect">
+            <a:avLst/>
+          </a:prstGeom>
+          <a:noFill/>
+          <a:extLst>
+            <a:ext uri="{909E8E84-426E-40DD-AFC4-6F175D3DCCD1}">
+              <a14:hiddenFill xmlns:a14="http://schemas.microsoft.com/office/drawing/2010/main">
+                <a:solidFill>
+                  <a:srgbClr val="FFFFFF"/>
+                </a:solidFill>
+              </a14:hiddenFill>
+            </a:ext>
+          </a:extLst>
+        </p:spPr>
+      </p:pic>
+    </p:spTree>
+    <p:extLst>
+      <p:ext uri="{BB962C8B-B14F-4D97-AF65-F5344CB8AC3E}">
+        <p14:creationId xmlns:p14="http://schemas.microsoft.com/office/powerpoint/2010/main" val="786346452"/>
+      </p:ext>
+    </p:extLst>
+  </p:cSld>
+  <p:clrMapOvr>
+    <a:masterClrMapping/>
+  </p:clrMapOvr>
+</p:sld>
+</file>
+
+<file path=ppt/slides/slide18.xml><?xml version="1.0" encoding="utf-8"?>
+<p:sld xmlns:a="http://schemas.openxmlformats.org/drawingml/2006/main" xmlns:r="http://schemas.openxmlformats.org/officeDocument/2006/relationships" xmlns:p="http://schemas.openxmlformats.org/presentationml/2006/main">
+  <p:cSld>
+    <p:spTree>
+      <p:nvGrpSpPr>
+        <p:cNvPr id="1" name=""/>
+        <p:cNvGrpSpPr/>
+        <p:nvPr/>
+      </p:nvGrpSpPr>
+      <p:grpSpPr>
+        <a:xfrm>
+          <a:off x="0" y="0"/>
+          <a:ext cx="0" cy="0"/>
+          <a:chOff x="0" y="0"/>
+          <a:chExt cx="0" cy="0"/>
+        </a:xfrm>
+      </p:grpSpPr>
+      <p:sp>
+        <p:nvSpPr>
+          <p:cNvPr id="2" name="Заголовок 1"/>
+          <p:cNvSpPr>
+            <a:spLocks noGrp="1"/>
+          </p:cNvSpPr>
+          <p:nvPr>
+            <p:ph type="title"/>
+          </p:nvPr>
+        </p:nvSpPr>
+        <p:spPr/>
+        <p:txBody>
+          <a:bodyPr/>
+          <a:lstStyle/>
+          <a:p>
+            <a:r>
+              <a:rPr lang="ru-RU" dirty="0"/>
+              <a:t>Страница проекта</a:t>
+            </a:r>
+            <a:endParaRPr lang="en-GB" dirty="0"/>
+          </a:p>
+        </p:txBody>
+      </p:sp>
+      <p:sp>
+        <p:nvSpPr>
+          <p:cNvPr id="4" name="Текст 3"/>
+          <p:cNvSpPr>
+            <a:spLocks noGrp="1"/>
+          </p:cNvSpPr>
+          <p:nvPr>
+            <p:ph type="body" sz="half" idx="2"/>
+          </p:nvPr>
+        </p:nvSpPr>
+        <p:spPr/>
+        <p:txBody>
+          <a:bodyPr>
+            <a:normAutofit lnSpcReduction="10000"/>
+          </a:bodyPr>
+          <a:lstStyle/>
+          <a:p>
+            <a:r>
+              <a:rPr lang="ru-RU" dirty="0"/>
+              <a:t>На странице представлена информация о проекте: название, обложка, описание, информация о языке перевода, дата создания, прогресс перевода, роль пользователя, список модераторов. Список разделов, кнопка добавления раздела.</a:t>
+            </a:r>
+          </a:p>
+          <a:p>
+            <a:r>
+              <a:rPr lang="ru-RU" dirty="0"/>
+              <a:t>Функционал:</a:t>
+            </a:r>
+          </a:p>
+          <a:p>
+            <a:pPr marL="285750" indent="-285750">
+              <a:buFont typeface="Arial" panose="020B0604020202020204" pitchFamily="34" charset="0"/>
+              <a:buChar char="•"/>
+            </a:pPr>
+            <a:r>
+              <a:rPr lang="ru-RU" dirty="0"/>
+              <a:t>Отображение информации о проекте.</a:t>
+            </a:r>
+          </a:p>
+          <a:p>
+            <a:pPr marL="285750" indent="-285750">
+              <a:buFont typeface="Arial" panose="020B0604020202020204" pitchFamily="34" charset="0"/>
+              <a:buChar char="•"/>
+            </a:pPr>
+            <a:r>
+              <a:rPr lang="ru-RU" dirty="0"/>
+              <a:t>Нажать на название раздела и перейти в редактор.</a:t>
+            </a:r>
+          </a:p>
+          <a:p>
+            <a:pPr marL="285750" indent="-285750">
+              <a:buFont typeface="Arial" panose="020B0604020202020204" pitchFamily="34" charset="0"/>
+              <a:buChar char="•"/>
+            </a:pPr>
+            <a:r>
+              <a:rPr lang="ru-RU" dirty="0"/>
+              <a:t>Добавить новый раздел по кнопке «Добавить раздел».</a:t>
+            </a:r>
+            <a:endParaRPr lang="en-GB" dirty="0"/>
+          </a:p>
+        </p:txBody>
+      </p:sp>
+      <p:pic>
+        <p:nvPicPr>
+          <p:cNvPr id="12290" name="Picture 2">
+            <a:extLst>
+              <a:ext uri="{FF2B5EF4-FFF2-40B4-BE49-F238E27FC236}">
+                <a16:creationId xmlns:a16="http://schemas.microsoft.com/office/drawing/2014/main" id="{F8AB57E0-5996-4021-ACDD-E8C3A9E5321E}"/>
+              </a:ext>
+            </a:extLst>
+          </p:cNvPr>
+          <p:cNvPicPr>
+            <a:picLocks noChangeAspect="1" noChangeArrowheads="1"/>
+          </p:cNvPicPr>
+          <p:nvPr/>
+        </p:nvPicPr>
+        <p:blipFill>
+          <a:blip r:embed="rId2" cstate="print">
+            <a:extLst>
+              <a:ext uri="{28A0092B-C50C-407E-A947-70E740481C1C}">
+                <a14:useLocalDpi xmlns:a14="http://schemas.microsoft.com/office/drawing/2010/main" val="0"/>
+              </a:ext>
+            </a:extLst>
+          </a:blip>
+          <a:srcRect/>
+          <a:stretch/>
+        </p:blipFill>
+        <p:spPr bwMode="auto">
+          <a:xfrm>
+            <a:off x="4403725" y="526713"/>
+            <a:ext cx="6480175" cy="5804573"/>
+          </a:xfrm>
+          <a:prstGeom prst="rect">
+            <a:avLst/>
+          </a:prstGeom>
+          <a:noFill/>
+          <a:extLst>
+            <a:ext uri="{909E8E84-426E-40DD-AFC4-6F175D3DCCD1}">
+              <a14:hiddenFill xmlns:a14="http://schemas.microsoft.com/office/drawing/2010/main">
+                <a:solidFill>
+                  <a:srgbClr val="FFFFFF"/>
+                </a:solidFill>
+              </a14:hiddenFill>
+            </a:ext>
+          </a:extLst>
+        </p:spPr>
+      </p:pic>
+    </p:spTree>
+    <p:extLst>
+      <p:ext uri="{BB962C8B-B14F-4D97-AF65-F5344CB8AC3E}">
+        <p14:creationId xmlns:p14="http://schemas.microsoft.com/office/powerpoint/2010/main" val="3954902561"/>
+      </p:ext>
+    </p:extLst>
+  </p:cSld>
+  <p:clrMapOvr>
+    <a:masterClrMapping/>
+  </p:clrMapOvr>
+</p:sld>
+</file>
+
+<file path=ppt/slides/slide19.xml><?xml version="1.0" encoding="utf-8"?>
+<p:sld xmlns:a="http://schemas.openxmlformats.org/drawingml/2006/main" xmlns:r="http://schemas.openxmlformats.org/officeDocument/2006/relationships" xmlns:p="http://schemas.openxmlformats.org/presentationml/2006/main">
+  <p:cSld>
+    <p:spTree>
+      <p:nvGrpSpPr>
+        <p:cNvPr id="1" name=""/>
+        <p:cNvGrpSpPr/>
+        <p:nvPr/>
+      </p:nvGrpSpPr>
+      <p:grpSpPr>
+        <a:xfrm>
+          <a:off x="0" y="0"/>
+          <a:ext cx="0" cy="0"/>
+          <a:chOff x="0" y="0"/>
+          <a:chExt cx="0" cy="0"/>
+        </a:xfrm>
+      </p:grpSpPr>
+      <p:sp>
+        <p:nvSpPr>
+          <p:cNvPr id="2" name="Заголовок 1"/>
+          <p:cNvSpPr>
+            <a:spLocks noGrp="1"/>
+          </p:cNvSpPr>
+          <p:nvPr>
+            <p:ph type="title"/>
+          </p:nvPr>
+        </p:nvSpPr>
+        <p:spPr/>
+        <p:txBody>
+          <a:bodyPr/>
+          <a:lstStyle/>
+          <a:p>
+            <a:r>
+              <a:rPr lang="ru-RU" dirty="0"/>
+              <a:t>Страница проекта</a:t>
+            </a:r>
+            <a:endParaRPr lang="en-GB" dirty="0"/>
+          </a:p>
+        </p:txBody>
+      </p:sp>
+      <p:sp>
+        <p:nvSpPr>
+          <p:cNvPr id="4" name="Текст 3"/>
+          <p:cNvSpPr>
+            <a:spLocks noGrp="1"/>
+          </p:cNvSpPr>
+          <p:nvPr>
+            <p:ph type="body" sz="half" idx="2"/>
+          </p:nvPr>
+        </p:nvSpPr>
+        <p:spPr/>
+        <p:txBody>
+          <a:bodyPr>
+            <a:normAutofit/>
+          </a:bodyPr>
+          <a:lstStyle/>
+          <a:p>
+            <a:r>
+              <a:rPr lang="ru-RU" dirty="0"/>
+              <a:t>На странице есть список участников проекта: у каждого участника есть порядковый номер, ник, роль, рейтинг, кнопка для смены роли. Поле ввода ника для приглашения и кнопка отправки приглашения.</a:t>
+            </a:r>
+          </a:p>
+          <a:p>
+            <a:r>
+              <a:rPr lang="ru-RU" dirty="0"/>
+              <a:t>Функционал:</a:t>
+            </a:r>
+          </a:p>
+          <a:p>
+            <a:pPr marL="285750" indent="-285750">
+              <a:buFont typeface="Arial" panose="020B0604020202020204" pitchFamily="34" charset="0"/>
+              <a:buChar char="•"/>
+            </a:pPr>
+            <a:r>
+              <a:rPr lang="ru-RU" dirty="0"/>
+              <a:t>Сменить роли участников, если у пользователя есть нужная роль.</a:t>
+            </a:r>
+          </a:p>
+          <a:p>
+            <a:pPr marL="285750" indent="-285750">
+              <a:buFont typeface="Arial" panose="020B0604020202020204" pitchFamily="34" charset="0"/>
+              <a:buChar char="•"/>
+            </a:pPr>
+            <a:r>
+              <a:rPr lang="ru-RU" dirty="0"/>
+              <a:t>Отправить приглашение новому участнику.</a:t>
+            </a:r>
+            <a:endParaRPr lang="en-GB" dirty="0"/>
+          </a:p>
+        </p:txBody>
+      </p:sp>
+      <p:pic>
+        <p:nvPicPr>
+          <p:cNvPr id="14338" name="Picture 2">
+            <a:extLst>
+              <a:ext uri="{FF2B5EF4-FFF2-40B4-BE49-F238E27FC236}">
+                <a16:creationId xmlns:a16="http://schemas.microsoft.com/office/drawing/2014/main" id="{03C957A6-9277-46B6-85D5-40ECBDEE8AD6}"/>
+              </a:ext>
+            </a:extLst>
+          </p:cNvPr>
+          <p:cNvPicPr>
+            <a:picLocks noChangeAspect="1" noChangeArrowheads="1"/>
+          </p:cNvPicPr>
+          <p:nvPr/>
+        </p:nvPicPr>
+        <p:blipFill>
+          <a:blip r:embed="rId2" cstate="print">
+            <a:extLst>
+              <a:ext uri="{28A0092B-C50C-407E-A947-70E740481C1C}">
+                <a14:useLocalDpi xmlns:a14="http://schemas.microsoft.com/office/drawing/2010/main" val="0"/>
+              </a:ext>
+            </a:extLst>
+          </a:blip>
+          <a:srcRect/>
+          <a:stretch/>
+        </p:blipFill>
+        <p:spPr bwMode="auto">
+          <a:xfrm>
+            <a:off x="4402994" y="1622586"/>
+            <a:ext cx="6480906" cy="3612827"/>
+          </a:xfrm>
+          <a:prstGeom prst="rect">
+            <a:avLst/>
+          </a:prstGeom>
+          <a:noFill/>
+          <a:extLst>
+            <a:ext uri="{909E8E84-426E-40DD-AFC4-6F175D3DCCD1}">
+              <a14:hiddenFill xmlns:a14="http://schemas.microsoft.com/office/drawing/2010/main">
+                <a:solidFill>
+                  <a:srgbClr val="FFFFFF"/>
+                </a:solidFill>
+              </a14:hiddenFill>
+            </a:ext>
+          </a:extLst>
+        </p:spPr>
+      </p:pic>
+    </p:spTree>
+    <p:extLst>
+      <p:ext uri="{BB962C8B-B14F-4D97-AF65-F5344CB8AC3E}">
+        <p14:creationId xmlns:p14="http://schemas.microsoft.com/office/powerpoint/2010/main" val="1503002286"/>
       </p:ext>
     </p:extLst>
   </p:cSld>
@@ -4112,6 +5238,707 @@
     <p:extLst>
       <p:ext uri="{BB962C8B-B14F-4D97-AF65-F5344CB8AC3E}">
         <p14:creationId xmlns:p14="http://schemas.microsoft.com/office/powerpoint/2010/main" val="3830314019"/>
+      </p:ext>
+    </p:extLst>
+  </p:cSld>
+  <p:clrMapOvr>
+    <a:masterClrMapping/>
+  </p:clrMapOvr>
+</p:sld>
+</file>
+
+<file path=ppt/slides/slide20.xml><?xml version="1.0" encoding="utf-8"?>
+<p:sld xmlns:a="http://schemas.openxmlformats.org/drawingml/2006/main" xmlns:r="http://schemas.openxmlformats.org/officeDocument/2006/relationships" xmlns:p="http://schemas.openxmlformats.org/presentationml/2006/main" showMasterSp="0">
+  <p:cSld>
+    <p:spTree>
+      <p:nvGrpSpPr>
+        <p:cNvPr id="1" name=""/>
+        <p:cNvGrpSpPr/>
+        <p:nvPr/>
+      </p:nvGrpSpPr>
+      <p:grpSpPr>
+        <a:xfrm>
+          <a:off x="0" y="0"/>
+          <a:ext cx="0" cy="0"/>
+          <a:chOff x="0" y="0"/>
+          <a:chExt cx="0" cy="0"/>
+        </a:xfrm>
+      </p:grpSpPr>
+      <p:sp>
+        <p:nvSpPr>
+          <p:cNvPr id="2" name="Заголовок 1"/>
+          <p:cNvSpPr>
+            <a:spLocks noGrp="1"/>
+          </p:cNvSpPr>
+          <p:nvPr>
+            <p:ph type="title"/>
+          </p:nvPr>
+        </p:nvSpPr>
+        <p:spPr/>
+        <p:txBody>
+          <a:bodyPr/>
+          <a:lstStyle/>
+          <a:p>
+            <a:r>
+              <a:rPr lang="ru-RU" dirty="0"/>
+              <a:t>Страница проекта</a:t>
+            </a:r>
+            <a:endParaRPr lang="en-GB" dirty="0"/>
+          </a:p>
+        </p:txBody>
+      </p:sp>
+      <p:sp>
+        <p:nvSpPr>
+          <p:cNvPr id="4" name="Текст 3"/>
+          <p:cNvSpPr>
+            <a:spLocks noGrp="1"/>
+          </p:cNvSpPr>
+          <p:nvPr>
+            <p:ph type="body" sz="half" idx="2"/>
+          </p:nvPr>
+        </p:nvSpPr>
+        <p:spPr>
+          <a:xfrm>
+            <a:off x="841248" y="2099734"/>
+            <a:ext cx="3277746" cy="3810001"/>
+          </a:xfrm>
+        </p:spPr>
+        <p:txBody>
+          <a:bodyPr>
+            <a:normAutofit/>
+          </a:bodyPr>
+          <a:lstStyle/>
+          <a:p>
+            <a:r>
+              <a:rPr lang="ru-RU" dirty="0"/>
+              <a:t>Поля для настройки проекта: ссылка, описание, обложка, владелец проекта, язык оригинала/перевода, настройки доступа и статус проекта.</a:t>
+            </a:r>
+          </a:p>
+          <a:p>
+            <a:r>
+              <a:rPr lang="ru-RU" dirty="0"/>
+              <a:t>Функционал:</a:t>
+            </a:r>
+          </a:p>
+          <a:p>
+            <a:pPr marL="285750" indent="-285750">
+              <a:buFont typeface="Arial" panose="020B0604020202020204" pitchFamily="34" charset="0"/>
+              <a:buChar char="•"/>
+            </a:pPr>
+            <a:r>
+              <a:rPr lang="ru-RU" dirty="0"/>
+              <a:t>Поменять и сохранить настройки.</a:t>
+            </a:r>
+            <a:endParaRPr lang="en-GB" dirty="0"/>
+          </a:p>
+        </p:txBody>
+      </p:sp>
+      <p:pic>
+        <p:nvPicPr>
+          <p:cNvPr id="7" name="Рисунок 6">
+            <a:extLst>
+              <a:ext uri="{FF2B5EF4-FFF2-40B4-BE49-F238E27FC236}">
+                <a16:creationId xmlns:a16="http://schemas.microsoft.com/office/drawing/2014/main" id="{A84FC5B7-B4CA-4F83-80AD-C258F1E1B119}"/>
+              </a:ext>
+            </a:extLst>
+          </p:cNvPr>
+          <p:cNvPicPr>
+            <a:picLocks noChangeAspect="1"/>
+          </p:cNvPicPr>
+          <p:nvPr/>
+        </p:nvPicPr>
+        <p:blipFill>
+          <a:blip r:embed="rId2" cstate="print">
+            <a:extLst>
+              <a:ext uri="{28A0092B-C50C-407E-A947-70E740481C1C}">
+                <a14:useLocalDpi xmlns:a14="http://schemas.microsoft.com/office/drawing/2010/main" val="0"/>
+              </a:ext>
+            </a:extLst>
+          </a:blip>
+          <a:stretch>
+            <a:fillRect/>
+          </a:stretch>
+        </p:blipFill>
+        <p:spPr>
+          <a:xfrm>
+            <a:off x="5044807" y="45990"/>
+            <a:ext cx="5198011" cy="6766021"/>
+          </a:xfrm>
+          <a:prstGeom prst="rect">
+            <a:avLst/>
+          </a:prstGeom>
+        </p:spPr>
+      </p:pic>
+    </p:spTree>
+    <p:extLst>
+      <p:ext uri="{BB962C8B-B14F-4D97-AF65-F5344CB8AC3E}">
+        <p14:creationId xmlns:p14="http://schemas.microsoft.com/office/powerpoint/2010/main" val="1953199067"/>
+      </p:ext>
+    </p:extLst>
+  </p:cSld>
+  <p:clrMapOvr>
+    <a:masterClrMapping/>
+  </p:clrMapOvr>
+</p:sld>
+</file>
+
+<file path=ppt/slides/slide21.xml><?xml version="1.0" encoding="utf-8"?>
+<p:sld xmlns:a="http://schemas.openxmlformats.org/drawingml/2006/main" xmlns:r="http://schemas.openxmlformats.org/officeDocument/2006/relationships" xmlns:p="http://schemas.openxmlformats.org/presentationml/2006/main">
+  <p:cSld>
+    <p:spTree>
+      <p:nvGrpSpPr>
+        <p:cNvPr id="1" name=""/>
+        <p:cNvGrpSpPr/>
+        <p:nvPr/>
+      </p:nvGrpSpPr>
+      <p:grpSpPr>
+        <a:xfrm>
+          <a:off x="0" y="0"/>
+          <a:ext cx="0" cy="0"/>
+          <a:chOff x="0" y="0"/>
+          <a:chExt cx="0" cy="0"/>
+        </a:xfrm>
+      </p:grpSpPr>
+      <p:sp>
+        <p:nvSpPr>
+          <p:cNvPr id="2" name="Заголовок 1"/>
+          <p:cNvSpPr>
+            <a:spLocks noGrp="1"/>
+          </p:cNvSpPr>
+          <p:nvPr>
+            <p:ph type="title"/>
+          </p:nvPr>
+        </p:nvSpPr>
+        <p:spPr/>
+        <p:txBody>
+          <a:bodyPr/>
+          <a:lstStyle/>
+          <a:p>
+            <a:r>
+              <a:rPr lang="ru-RU" dirty="0"/>
+              <a:t>Добавление раздела</a:t>
+            </a:r>
+            <a:endParaRPr lang="en-GB" dirty="0"/>
+          </a:p>
+        </p:txBody>
+      </p:sp>
+      <p:sp>
+        <p:nvSpPr>
+          <p:cNvPr id="4" name="Текст 3"/>
+          <p:cNvSpPr>
+            <a:spLocks noGrp="1"/>
+          </p:cNvSpPr>
+          <p:nvPr>
+            <p:ph type="body" sz="half" idx="2"/>
+          </p:nvPr>
+        </p:nvSpPr>
+        <p:spPr>
+          <a:xfrm>
+            <a:off x="841248" y="2099734"/>
+            <a:ext cx="3277746" cy="3810001"/>
+          </a:xfrm>
+        </p:spPr>
+        <p:txBody>
+          <a:bodyPr>
+            <a:normAutofit/>
+          </a:bodyPr>
+          <a:lstStyle/>
+          <a:p>
+            <a:r>
+              <a:rPr lang="ru-RU" dirty="0"/>
+              <a:t>На странице есть поля ввода названия раздела, статуса раздела и файла.</a:t>
+            </a:r>
+          </a:p>
+          <a:p>
+            <a:r>
+              <a:rPr lang="ru-RU" dirty="0"/>
+              <a:t>Функционал:</a:t>
+            </a:r>
+          </a:p>
+          <a:p>
+            <a:pPr marL="285750" indent="-285750">
+              <a:buFont typeface="Arial" panose="020B0604020202020204" pitchFamily="34" charset="0"/>
+              <a:buChar char="•"/>
+            </a:pPr>
+            <a:r>
+              <a:rPr lang="ru-RU" dirty="0"/>
+              <a:t>Ввести параметры раздела и добавить его.</a:t>
+            </a:r>
+            <a:endParaRPr lang="en-GB" dirty="0"/>
+          </a:p>
+        </p:txBody>
+      </p:sp>
+      <p:pic>
+        <p:nvPicPr>
+          <p:cNvPr id="15362" name="Picture 2">
+            <a:extLst>
+              <a:ext uri="{FF2B5EF4-FFF2-40B4-BE49-F238E27FC236}">
+                <a16:creationId xmlns:a16="http://schemas.microsoft.com/office/drawing/2014/main" id="{A8F60261-2745-471F-93C5-4DCC435688C5}"/>
+              </a:ext>
+            </a:extLst>
+          </p:cNvPr>
+          <p:cNvPicPr>
+            <a:picLocks noChangeAspect="1" noChangeArrowheads="1"/>
+          </p:cNvPicPr>
+          <p:nvPr/>
+        </p:nvPicPr>
+        <p:blipFill>
+          <a:blip r:embed="rId2" cstate="print">
+            <a:extLst>
+              <a:ext uri="{28A0092B-C50C-407E-A947-70E740481C1C}">
+                <a14:useLocalDpi xmlns:a14="http://schemas.microsoft.com/office/drawing/2010/main" val="0"/>
+              </a:ext>
+            </a:extLst>
+          </a:blip>
+          <a:srcRect/>
+          <a:stretch>
+            <a:fillRect/>
+          </a:stretch>
+        </p:blipFill>
+        <p:spPr bwMode="auto">
+          <a:xfrm>
+            <a:off x="4403725" y="1625435"/>
+            <a:ext cx="6480175" cy="3607129"/>
+          </a:xfrm>
+          <a:prstGeom prst="rect">
+            <a:avLst/>
+          </a:prstGeom>
+          <a:noFill/>
+          <a:extLst>
+            <a:ext uri="{909E8E84-426E-40DD-AFC4-6F175D3DCCD1}">
+              <a14:hiddenFill xmlns:a14="http://schemas.microsoft.com/office/drawing/2010/main">
+                <a:solidFill>
+                  <a:srgbClr val="FFFFFF"/>
+                </a:solidFill>
+              </a14:hiddenFill>
+            </a:ext>
+          </a:extLst>
+        </p:spPr>
+      </p:pic>
+    </p:spTree>
+    <p:extLst>
+      <p:ext uri="{BB962C8B-B14F-4D97-AF65-F5344CB8AC3E}">
+        <p14:creationId xmlns:p14="http://schemas.microsoft.com/office/powerpoint/2010/main" val="1066622689"/>
+      </p:ext>
+    </p:extLst>
+  </p:cSld>
+  <p:clrMapOvr>
+    <a:masterClrMapping/>
+  </p:clrMapOvr>
+</p:sld>
+</file>
+
+<file path=ppt/slides/slide22.xml><?xml version="1.0" encoding="utf-8"?>
+<p:sld xmlns:a="http://schemas.openxmlformats.org/drawingml/2006/main" xmlns:r="http://schemas.openxmlformats.org/officeDocument/2006/relationships" xmlns:p="http://schemas.openxmlformats.org/presentationml/2006/main">
+  <p:cSld>
+    <p:spTree>
+      <p:nvGrpSpPr>
+        <p:cNvPr id="1" name=""/>
+        <p:cNvGrpSpPr/>
+        <p:nvPr/>
+      </p:nvGrpSpPr>
+      <p:grpSpPr>
+        <a:xfrm>
+          <a:off x="0" y="0"/>
+          <a:ext cx="0" cy="0"/>
+          <a:chOff x="0" y="0"/>
+          <a:chExt cx="0" cy="0"/>
+        </a:xfrm>
+      </p:grpSpPr>
+      <p:sp>
+        <p:nvSpPr>
+          <p:cNvPr id="2" name="Заголовок 1"/>
+          <p:cNvSpPr>
+            <a:spLocks noGrp="1"/>
+          </p:cNvSpPr>
+          <p:nvPr>
+            <p:ph type="title"/>
+          </p:nvPr>
+        </p:nvSpPr>
+        <p:spPr/>
+        <p:txBody>
+          <a:bodyPr/>
+          <a:lstStyle/>
+          <a:p>
+            <a:r>
+              <a:rPr lang="ru-RU" dirty="0"/>
+              <a:t>Редактор отрывков</a:t>
+            </a:r>
+            <a:endParaRPr lang="en-GB" dirty="0"/>
+          </a:p>
+        </p:txBody>
+      </p:sp>
+      <p:sp>
+        <p:nvSpPr>
+          <p:cNvPr id="4" name="Текст 3"/>
+          <p:cNvSpPr>
+            <a:spLocks noGrp="1"/>
+          </p:cNvSpPr>
+          <p:nvPr>
+            <p:ph type="body" sz="half" idx="2"/>
+          </p:nvPr>
+        </p:nvSpPr>
+        <p:spPr>
+          <a:xfrm>
+            <a:off x="841248" y="2099734"/>
+            <a:ext cx="3277746" cy="3810001"/>
+          </a:xfrm>
+        </p:spPr>
+        <p:txBody>
+          <a:bodyPr>
+            <a:normAutofit/>
+          </a:bodyPr>
+          <a:lstStyle/>
+          <a:p>
+            <a:r>
+              <a:rPr lang="ru-RU" dirty="0"/>
+              <a:t>Страница, на которой нет шапки с навигацией. Представляет собой панель инструментов (действия каждой кнопки подсвечиваются с помощью подсказок) и три столбца для работы над переводом. Слева в виде строк представлены отрывки текста в оригинале и их переводы. Справа при нажатии на отрывок (строку) отображается поле для добавления перевода и другие варианты перевода.</a:t>
+            </a:r>
+          </a:p>
+          <a:p>
+            <a:r>
+              <a:rPr lang="ru-RU" dirty="0"/>
+              <a:t>Функционал:</a:t>
+            </a:r>
+          </a:p>
+          <a:p>
+            <a:pPr marL="285750" indent="-285750">
+              <a:lnSpc>
+                <a:spcPct val="110000"/>
+              </a:lnSpc>
+              <a:spcBef>
+                <a:spcPts val="200"/>
+              </a:spcBef>
+              <a:buFont typeface="Arial" panose="020B0604020202020204" pitchFamily="34" charset="0"/>
+              <a:buChar char="•"/>
+            </a:pPr>
+            <a:r>
+              <a:rPr lang="ru-RU" dirty="0"/>
+              <a:t>Добавлять варианты перевода.</a:t>
+            </a:r>
+          </a:p>
+        </p:txBody>
+      </p:sp>
+      <p:pic>
+        <p:nvPicPr>
+          <p:cNvPr id="5" name="Рисунок 4">
+            <a:extLst>
+              <a:ext uri="{FF2B5EF4-FFF2-40B4-BE49-F238E27FC236}">
+                <a16:creationId xmlns:a16="http://schemas.microsoft.com/office/drawing/2014/main" id="{35F8427D-1870-4601-8A72-708F9B661603}"/>
+              </a:ext>
+            </a:extLst>
+          </p:cNvPr>
+          <p:cNvPicPr>
+            <a:picLocks noChangeAspect="1"/>
+          </p:cNvPicPr>
+          <p:nvPr/>
+        </p:nvPicPr>
+        <p:blipFill>
+          <a:blip r:embed="rId2">
+            <a:extLst>
+              <a:ext uri="{28A0092B-C50C-407E-A947-70E740481C1C}">
+                <a14:useLocalDpi xmlns:a14="http://schemas.microsoft.com/office/drawing/2010/main" val="0"/>
+              </a:ext>
+            </a:extLst>
+          </a:blip>
+          <a:stretch>
+            <a:fillRect/>
+          </a:stretch>
+        </p:blipFill>
+        <p:spPr>
+          <a:xfrm>
+            <a:off x="4401699" y="1958000"/>
+            <a:ext cx="6482201" cy="2942000"/>
+          </a:xfrm>
+          <a:prstGeom prst="rect">
+            <a:avLst/>
+          </a:prstGeom>
+        </p:spPr>
+      </p:pic>
+    </p:spTree>
+    <p:extLst>
+      <p:ext uri="{BB962C8B-B14F-4D97-AF65-F5344CB8AC3E}">
+        <p14:creationId xmlns:p14="http://schemas.microsoft.com/office/powerpoint/2010/main" val="4080012568"/>
+      </p:ext>
+    </p:extLst>
+  </p:cSld>
+  <p:clrMapOvr>
+    <a:masterClrMapping/>
+  </p:clrMapOvr>
+</p:sld>
+</file>
+
+<file path=ppt/slides/slide23.xml><?xml version="1.0" encoding="utf-8"?>
+<p:sld xmlns:a="http://schemas.openxmlformats.org/drawingml/2006/main" xmlns:r="http://schemas.openxmlformats.org/officeDocument/2006/relationships" xmlns:p="http://schemas.openxmlformats.org/presentationml/2006/main">
+  <p:cSld>
+    <p:spTree>
+      <p:nvGrpSpPr>
+        <p:cNvPr id="1" name=""/>
+        <p:cNvGrpSpPr/>
+        <p:nvPr/>
+      </p:nvGrpSpPr>
+      <p:grpSpPr>
+        <a:xfrm>
+          <a:off x="0" y="0"/>
+          <a:ext cx="0" cy="0"/>
+          <a:chOff x="0" y="0"/>
+          <a:chExt cx="0" cy="0"/>
+        </a:xfrm>
+      </p:grpSpPr>
+      <p:sp>
+        <p:nvSpPr>
+          <p:cNvPr id="2" name="Заголовок 1"/>
+          <p:cNvSpPr>
+            <a:spLocks noGrp="1"/>
+          </p:cNvSpPr>
+          <p:nvPr>
+            <p:ph type="title"/>
+          </p:nvPr>
+        </p:nvSpPr>
+        <p:spPr/>
+        <p:txBody>
+          <a:bodyPr/>
+          <a:lstStyle/>
+          <a:p>
+            <a:r>
+              <a:rPr lang="ru-RU" dirty="0"/>
+              <a:t>Источники</a:t>
+            </a:r>
+            <a:r>
+              <a:rPr lang="en-US" dirty="0"/>
+              <a:t> </a:t>
+            </a:r>
+            <a:r>
+              <a:rPr lang="ru-RU" dirty="0"/>
+              <a:t>и инструменты</a:t>
+            </a:r>
+            <a:endParaRPr lang="en-GB" dirty="0"/>
+          </a:p>
+        </p:txBody>
+      </p:sp>
+      <p:sp>
+        <p:nvSpPr>
+          <p:cNvPr id="3" name="Объект 2"/>
+          <p:cNvSpPr>
+            <a:spLocks noGrp="1"/>
+          </p:cNvSpPr>
+          <p:nvPr>
+            <p:ph idx="1"/>
+          </p:nvPr>
+        </p:nvSpPr>
+        <p:spPr/>
+        <p:txBody>
+          <a:bodyPr/>
+          <a:lstStyle/>
+          <a:p>
+            <a:r>
+              <a:rPr lang="ru-RU" dirty="0"/>
+              <a:t>Система коллективных переводов </a:t>
+            </a:r>
+            <a:r>
+              <a:rPr lang="en-US" dirty="0"/>
+              <a:t>Notabenoid </a:t>
+            </a:r>
+            <a:r>
+              <a:rPr lang="ru-RU" dirty="0"/>
+              <a:t>– </a:t>
+            </a:r>
+            <a:r>
+              <a:rPr lang="en-US" dirty="0">
+                <a:hlinkClick r:id="rId2"/>
+              </a:rPr>
+              <a:t>http://notabenoid.org/</a:t>
+            </a:r>
+            <a:endParaRPr lang="en-US" dirty="0"/>
+          </a:p>
+          <a:p>
+            <a:r>
+              <a:rPr lang="en-GB" dirty="0"/>
+              <a:t>Localization management platform for agile teams – </a:t>
+            </a:r>
+            <a:r>
+              <a:rPr lang="en-GB" dirty="0">
+                <a:hlinkClick r:id="rId3"/>
+              </a:rPr>
+              <a:t>https://crowdin.com/</a:t>
+            </a:r>
+            <a:endParaRPr lang="en-GB" dirty="0"/>
+          </a:p>
+          <a:p>
+            <a:r>
+              <a:rPr lang="ru-RU" dirty="0"/>
+              <a:t>Документация </a:t>
+            </a:r>
+            <a:r>
+              <a:rPr lang="en-US" dirty="0"/>
+              <a:t>Bootstrap – </a:t>
+            </a:r>
+            <a:r>
+              <a:rPr lang="en-US" dirty="0">
+                <a:hlinkClick r:id="rId4"/>
+              </a:rPr>
+              <a:t>https://getbootstrap.com/docs/5.3</a:t>
+            </a:r>
+            <a:endParaRPr lang="ru-RU" dirty="0"/>
+          </a:p>
+          <a:p>
+            <a:r>
+              <a:rPr lang="ru-RU" dirty="0"/>
+              <a:t>Документация </a:t>
+            </a:r>
+            <a:r>
+              <a:rPr lang="en-US" dirty="0"/>
+              <a:t>React.js – </a:t>
+            </a:r>
+            <a:r>
+              <a:rPr lang="en-US" dirty="0">
+                <a:hlinkClick r:id="rId5"/>
+              </a:rPr>
+              <a:t>https://react.dev/reference/react</a:t>
+            </a:r>
+            <a:endParaRPr lang="en-US" dirty="0"/>
+          </a:p>
+          <a:p>
+            <a:r>
+              <a:rPr lang="ru-RU" dirty="0"/>
+              <a:t>Документация </a:t>
+            </a:r>
+            <a:r>
+              <a:rPr lang="en-US" dirty="0"/>
+              <a:t>React Bootstrap – </a:t>
+            </a:r>
+            <a:r>
+              <a:rPr lang="en-US" dirty="0">
+                <a:hlinkClick r:id="rId6"/>
+              </a:rPr>
+              <a:t>https://react-bootstrap.netlify.app/</a:t>
+            </a:r>
+            <a:r>
+              <a:rPr lang="en-US" dirty="0"/>
+              <a:t> </a:t>
+            </a:r>
+            <a:endParaRPr lang="en-GB" dirty="0"/>
+          </a:p>
+        </p:txBody>
+      </p:sp>
+    </p:spTree>
+    <p:extLst>
+      <p:ext uri="{BB962C8B-B14F-4D97-AF65-F5344CB8AC3E}">
+        <p14:creationId xmlns:p14="http://schemas.microsoft.com/office/powerpoint/2010/main" val="3870391484"/>
+      </p:ext>
+    </p:extLst>
+  </p:cSld>
+  <p:clrMapOvr>
+    <a:masterClrMapping/>
+  </p:clrMapOvr>
+</p:sld>
+</file>
+
+<file path=ppt/slides/slide24.xml><?xml version="1.0" encoding="utf-8"?>
+<p:sld xmlns:a="http://schemas.openxmlformats.org/drawingml/2006/main" xmlns:r="http://schemas.openxmlformats.org/officeDocument/2006/relationships" xmlns:p="http://schemas.openxmlformats.org/presentationml/2006/main">
+  <p:cSld>
+    <p:spTree>
+      <p:nvGrpSpPr>
+        <p:cNvPr id="1" name=""/>
+        <p:cNvGrpSpPr/>
+        <p:nvPr/>
+      </p:nvGrpSpPr>
+      <p:grpSpPr>
+        <a:xfrm>
+          <a:off x="0" y="0"/>
+          <a:ext cx="0" cy="0"/>
+          <a:chOff x="0" y="0"/>
+          <a:chExt cx="0" cy="0"/>
+        </a:xfrm>
+      </p:grpSpPr>
+      <p:sp>
+        <p:nvSpPr>
+          <p:cNvPr id="2" name="Заголовок 1">
+            <a:extLst>
+              <a:ext uri="{FF2B5EF4-FFF2-40B4-BE49-F238E27FC236}">
+                <a16:creationId xmlns:a16="http://schemas.microsoft.com/office/drawing/2014/main" id="{93106547-4637-4D7D-BEEE-BDFFFBC6D2B0}"/>
+              </a:ext>
+            </a:extLst>
+          </p:cNvPr>
+          <p:cNvSpPr>
+            <a:spLocks noGrp="1"/>
+          </p:cNvSpPr>
+          <p:nvPr>
+            <p:ph type="title"/>
+          </p:nvPr>
+        </p:nvSpPr>
+        <p:spPr/>
+        <p:txBody>
+          <a:bodyPr/>
+          <a:lstStyle/>
+          <a:p>
+            <a:r>
+              <a:rPr lang="ru-RU" dirty="0"/>
+              <a:t>Заключение</a:t>
+            </a:r>
+            <a:endParaRPr lang="en-GB" dirty="0"/>
+          </a:p>
+        </p:txBody>
+      </p:sp>
+      <p:sp>
+        <p:nvSpPr>
+          <p:cNvPr id="3" name="Объект 2">
+            <a:extLst>
+              <a:ext uri="{FF2B5EF4-FFF2-40B4-BE49-F238E27FC236}">
+                <a16:creationId xmlns:a16="http://schemas.microsoft.com/office/drawing/2014/main" id="{1EE8A20B-D864-4768-8386-A9F5875BA4FD}"/>
+              </a:ext>
+            </a:extLst>
+          </p:cNvPr>
+          <p:cNvSpPr>
+            <a:spLocks noGrp="1"/>
+          </p:cNvSpPr>
+          <p:nvPr>
+            <p:ph idx="1"/>
+          </p:nvPr>
+        </p:nvSpPr>
+        <p:spPr/>
+        <p:txBody>
+          <a:bodyPr/>
+          <a:lstStyle/>
+          <a:p>
+            <a:r>
+              <a:rPr lang="ru-RU" dirty="0"/>
+              <a:t>В рамках проекта по требованию заказчика был реализован веб-сервис для коллективных переводов.</a:t>
+            </a:r>
+          </a:p>
+          <a:p>
+            <a:r>
+              <a:rPr lang="ru-RU" dirty="0"/>
+              <a:t>В течение всего срока исполнитель и заказчик регулярно проводили собрания для обсуждения реализуемого проекта. Итоговый проект утвержден заказчиком.</a:t>
+            </a:r>
+          </a:p>
+          <a:p>
+            <a:r>
+              <a:rPr lang="ru-RU" dirty="0"/>
+              <a:t>Поскольку проект требует размещения на собственном сервере, что делает затруднительным его запуска для доступном для студентов сервере </a:t>
+            </a:r>
+            <a:r>
+              <a:rPr lang="en-US" dirty="0"/>
+              <a:t>kappa, </a:t>
+            </a:r>
+            <a:r>
+              <a:rPr lang="ru-RU" dirty="0"/>
+              <a:t>проект получит собственный домен в будущем. Предполагаемый срок – январь 2024 года.</a:t>
+            </a:r>
+          </a:p>
+          <a:p>
+            <a:r>
+              <a:rPr lang="ru-RU" dirty="0"/>
+              <a:t>Планируется дальнейшая разработка и поддержка сервиса, включая (но не ограничиваясь) создание фирменного стиля сайта, расширение функционала редактора, доработку функций сервиса, исправление ошибок.</a:t>
+            </a:r>
+            <a:endParaRPr lang="en-GB" dirty="0"/>
+          </a:p>
+        </p:txBody>
+      </p:sp>
+    </p:spTree>
+    <p:extLst>
+      <p:ext uri="{BB962C8B-B14F-4D97-AF65-F5344CB8AC3E}">
+        <p14:creationId xmlns:p14="http://schemas.microsoft.com/office/powerpoint/2010/main" val="2711554461"/>
       </p:ext>
     </p:extLst>
   </p:cSld>
@@ -4243,31 +6070,6 @@
       </p:grpSpPr>
       <p:sp>
         <p:nvSpPr>
-          <p:cNvPr id="2" name="Заголовок 1"/>
-          <p:cNvSpPr>
-            <a:spLocks noGrp="1"/>
-          </p:cNvSpPr>
-          <p:nvPr>
-            <p:ph type="title"/>
-          </p:nvPr>
-        </p:nvSpPr>
-        <p:spPr/>
-        <p:txBody>
-          <a:bodyPr>
-            <a:normAutofit/>
-          </a:bodyPr>
-          <a:lstStyle/>
-          <a:p>
-            <a:r>
-              <a:rPr lang="ru-RU" sz="4000" dirty="0"/>
-              <a:t>Структура веб-страниц</a:t>
-            </a:r>
-            <a:endParaRPr lang="en-GB" sz="4000" dirty="0"/>
-          </a:p>
-        </p:txBody>
-      </p:sp>
-      <p:sp>
-        <p:nvSpPr>
           <p:cNvPr id="4" name="Текст 3"/>
           <p:cNvSpPr>
             <a:spLocks noGrp="1"/>
@@ -4315,6 +6117,35 @@
           </a:prstGeom>
         </p:spPr>
       </p:pic>
+      <p:sp>
+        <p:nvSpPr>
+          <p:cNvPr id="5" name="Заголовок 4">
+            <a:extLst>
+              <a:ext uri="{FF2B5EF4-FFF2-40B4-BE49-F238E27FC236}">
+                <a16:creationId xmlns:a16="http://schemas.microsoft.com/office/drawing/2014/main" id="{C43108AA-ED79-4754-8566-8676F5A9484B}"/>
+              </a:ext>
+            </a:extLst>
+          </p:cNvPr>
+          <p:cNvSpPr>
+            <a:spLocks noGrp="1"/>
+          </p:cNvSpPr>
+          <p:nvPr>
+            <p:ph type="title"/>
+          </p:nvPr>
+        </p:nvSpPr>
+        <p:spPr/>
+        <p:txBody>
+          <a:bodyPr/>
+          <a:lstStyle/>
+          <a:p>
+            <a:r>
+              <a:rPr lang="ru-RU" dirty="0"/>
+              <a:t>Структура веб-страниц</a:t>
+            </a:r>
+            <a:endParaRPr lang="en-GB" dirty="0"/>
+          </a:p>
+        </p:txBody>
+      </p:sp>
     </p:spTree>
     <p:extLst>
       <p:ext uri="{BB962C8B-B14F-4D97-AF65-F5344CB8AC3E}">
@@ -4347,9 +6178,15 @@
       </p:grpSpPr>
       <p:pic>
         <p:nvPicPr>
-          <p:cNvPr id="2" name="Рисунок 1"/>
+          <p:cNvPr id="3074" name="Picture 2">
+            <a:extLst>
+              <a:ext uri="{FF2B5EF4-FFF2-40B4-BE49-F238E27FC236}">
+                <a16:creationId xmlns:a16="http://schemas.microsoft.com/office/drawing/2014/main" id="{25AC6D6A-0067-4A8D-969E-1B0E0898B3E4}"/>
+              </a:ext>
+            </a:extLst>
+          </p:cNvPr>
           <p:cNvPicPr>
-            <a:picLocks noChangeAspect="1"/>
+            <a:picLocks noChangeAspect="1" noChangeArrowheads="1"/>
           </p:cNvPicPr>
           <p:nvPr/>
         </p:nvPicPr>
@@ -4361,24 +6198,72 @@
               </a:ext>
             </a:extLst>
           </a:blip>
+          <a:srcRect/>
           <a:stretch>
             <a:fillRect/>
           </a:stretch>
         </p:blipFill>
-        <p:spPr>
+        <p:spPr bwMode="auto">
           <a:xfrm>
-            <a:off x="1081202" y="0"/>
-            <a:ext cx="10029595" cy="6858000"/>
+            <a:off x="67113" y="167782"/>
+            <a:ext cx="11157358" cy="4756404"/>
           </a:xfrm>
           <a:prstGeom prst="rect">
             <a:avLst/>
           </a:prstGeom>
+          <a:noFill/>
+          <a:extLst>
+            <a:ext uri="{909E8E84-426E-40DD-AFC4-6F175D3DCCD1}">
+              <a14:hiddenFill xmlns:a14="http://schemas.microsoft.com/office/drawing/2010/main">
+                <a:solidFill>
+                  <a:srgbClr val="FFFFFF"/>
+                </a:solidFill>
+              </a14:hiddenFill>
+            </a:ext>
+          </a:extLst>
         </p:spPr>
       </p:pic>
+      <p:sp>
+        <p:nvSpPr>
+          <p:cNvPr id="4" name="Заголовок 3">
+            <a:extLst>
+              <a:ext uri="{FF2B5EF4-FFF2-40B4-BE49-F238E27FC236}">
+                <a16:creationId xmlns:a16="http://schemas.microsoft.com/office/drawing/2014/main" id="{791E8F42-9675-49EC-A4EA-C0AC5FC06F73}"/>
+              </a:ext>
+            </a:extLst>
+          </p:cNvPr>
+          <p:cNvSpPr>
+            <a:spLocks noGrp="1"/>
+          </p:cNvSpPr>
+          <p:nvPr>
+            <p:ph type="title"/>
+          </p:nvPr>
+        </p:nvSpPr>
+        <p:spPr/>
+        <p:txBody>
+          <a:bodyPr/>
+          <a:lstStyle/>
+          <a:p>
+            <a:r>
+              <a:rPr lang="ru-RU" dirty="0"/>
+              <a:t>Структура </a:t>
+            </a:r>
+            <a:r>
+              <a:rPr lang="en-GB" dirty="0"/>
+              <a:t>API </a:t>
+            </a:r>
+            <a:r>
+              <a:rPr lang="ru-RU" dirty="0"/>
+              <a:t>веб-сервиса</a:t>
+            </a:r>
+            <a:endParaRPr lang="en-GB" dirty="0"/>
+          </a:p>
+        </p:txBody>
+      </p:sp>
     </p:spTree>
     <p:extLst>
       <p:ext uri="{BB962C8B-B14F-4D97-AF65-F5344CB8AC3E}">
-        <p14:creationId xmlns:p14="http://schemas.microsoft.com/office/powerpoint/2010/main" val="2361411997"/>
+        <p14:creationId xmlns:p14="http://schemas.microsoft.com/office/powerpoint/2010/main" val="2427759219"/>
       </p:ext>
     </p:extLst>
   </p:cSld>
@@ -4405,9 +6290,62 @@
           <a:chExt cx="0" cy="0"/>
         </a:xfrm>
       </p:grpSpPr>
-      <p:sp>
-        <p:nvSpPr>
-          <p:cNvPr id="2" name="Заголовок 1"/>
+      <p:pic>
+        <p:nvPicPr>
+          <p:cNvPr id="1026" name="Picture 2">
+            <a:extLst>
+              <a:ext uri="{FF2B5EF4-FFF2-40B4-BE49-F238E27FC236}">
+                <a16:creationId xmlns:a16="http://schemas.microsoft.com/office/drawing/2014/main" id="{2B482CEC-FD19-49E6-8B57-6AC9D81DBEE0}"/>
+              </a:ext>
+            </a:extLst>
+          </p:cNvPr>
+          <p:cNvPicPr>
+            <a:picLocks noChangeAspect="1" noChangeArrowheads="1"/>
+          </p:cNvPicPr>
+          <p:nvPr/>
+        </p:nvPicPr>
+        <p:blipFill>
+          <a:blip r:embed="rId2" cstate="print">
+            <a:extLst>
+              <a:ext uri="{28A0092B-C50C-407E-A947-70E740481C1C}">
+                <a14:useLocalDpi xmlns:a14="http://schemas.microsoft.com/office/drawing/2010/main" val="0"/>
+              </a:ext>
+            </a:extLst>
+          </a:blip>
+          <a:srcRect/>
+          <a:stretch>
+            <a:fillRect/>
+          </a:stretch>
+        </p:blipFill>
+        <p:spPr bwMode="auto">
+          <a:xfrm>
+            <a:off x="1957345" y="41945"/>
+            <a:ext cx="7354436" cy="5028674"/>
+          </a:xfrm>
+          <a:prstGeom prst="rect">
+            <a:avLst/>
+          </a:prstGeom>
+          <a:noFill/>
+          <a:extLst>
+            <a:ext uri="{909E8E84-426E-40DD-AFC4-6F175D3DCCD1}">
+              <a14:hiddenFill xmlns:a14="http://schemas.microsoft.com/office/drawing/2010/main">
+                <a:solidFill>
+                  <a:srgbClr val="FFFFFF"/>
+                </a:solidFill>
+              </a14:hiddenFill>
+            </a:ext>
+          </a:extLst>
+        </p:spPr>
+      </p:pic>
+      <p:sp>
+        <p:nvSpPr>
+          <p:cNvPr id="10" name="Заголовок 9">
+            <a:extLst>
+              <a:ext uri="{FF2B5EF4-FFF2-40B4-BE49-F238E27FC236}">
+                <a16:creationId xmlns:a16="http://schemas.microsoft.com/office/drawing/2014/main" id="{0002076A-4C93-4C72-B9BE-A1E8D8021359}"/>
+              </a:ext>
+            </a:extLst>
+          </p:cNvPr>
           <p:cNvSpPr>
             <a:spLocks noGrp="1"/>
           </p:cNvSpPr>
@@ -4422,50 +6360,7 @@
           <a:p>
             <a:r>
               <a:rPr lang="ru-RU" dirty="0"/>
-              <a:t>Прототипы страниц веб-сервиса</a:t>
-            </a:r>
-            <a:endParaRPr lang="en-GB" dirty="0"/>
-          </a:p>
-        </p:txBody>
-      </p:sp>
-      <p:sp>
-        <p:nvSpPr>
-          <p:cNvPr id="3" name="Текст 2"/>
-          <p:cNvSpPr>
-            <a:spLocks noGrp="1"/>
-          </p:cNvSpPr>
-          <p:nvPr>
-            <p:ph type="body" idx="1"/>
-          </p:nvPr>
-        </p:nvSpPr>
-        <p:spPr/>
-        <p:txBody>
-          <a:bodyPr/>
-          <a:lstStyle/>
-          <a:p>
-            <a:r>
-              <a:rPr lang="ru-RU" dirty="0"/>
-              <a:t>Прототипы созданы с помощью </a:t>
-            </a:r>
-            <a:r>
-              <a:rPr lang="en-US" dirty="0"/>
-              <a:t>HTML-</a:t>
-            </a:r>
-            <a:r>
-              <a:rPr lang="ru-RU" dirty="0"/>
-              <a:t>разметки для удобства дальнейшей разработки. Для скорости и удобства использовался </a:t>
-            </a:r>
-            <a:r>
-              <a:rPr lang="ru-RU" dirty="0" err="1"/>
-              <a:t>фреймворк</a:t>
-            </a:r>
-            <a:r>
-              <a:rPr lang="ru-RU" dirty="0"/>
-              <a:t> </a:t>
-            </a:r>
-            <a:r>
-              <a:rPr lang="en-US" dirty="0"/>
-              <a:t>Bootstrap.</a:t>
+              <a:t>Доступ и взаимодействие пользователя со страницами сайта</a:t>
             </a:r>
             <a:endParaRPr lang="en-GB" dirty="0"/>
           </a:p>
@@ -4474,7 +6369,7 @@
     </p:spTree>
     <p:extLst>
       <p:ext uri="{BB962C8B-B14F-4D97-AF65-F5344CB8AC3E}">
-        <p14:creationId xmlns:p14="http://schemas.microsoft.com/office/powerpoint/2010/main" val="850442029"/>
+        <p14:creationId xmlns:p14="http://schemas.microsoft.com/office/powerpoint/2010/main" val="165612676"/>
       </p:ext>
     </p:extLst>
   </p:cSld>
@@ -4503,7 +6398,13 @@
       </p:grpSpPr>
       <p:sp>
         <p:nvSpPr>
-          <p:cNvPr id="2" name="Заголовок 1"/>
+          <p:cNvPr id="2" name="Заголовок 1">
+            <a:extLst>
+              <a:ext uri="{FF2B5EF4-FFF2-40B4-BE49-F238E27FC236}">
+                <a16:creationId xmlns:a16="http://schemas.microsoft.com/office/drawing/2014/main" id="{0DE17256-8271-482D-A791-049C4E260B7E}"/>
+              </a:ext>
+            </a:extLst>
+          </p:cNvPr>
           <p:cNvSpPr>
             <a:spLocks noGrp="1"/>
           </p:cNvSpPr>
@@ -4518,36 +6419,7 @@
           <a:p>
             <a:r>
               <a:rPr lang="ru-RU" dirty="0"/>
-              <a:t>Главная страница</a:t>
-            </a:r>
-            <a:endParaRPr lang="en-GB" dirty="0"/>
-          </a:p>
-        </p:txBody>
-      </p:sp>
-      <p:sp>
-        <p:nvSpPr>
-          <p:cNvPr id="4" name="Текст 3"/>
-          <p:cNvSpPr>
-            <a:spLocks noGrp="1"/>
-          </p:cNvSpPr>
-          <p:nvPr>
-            <p:ph type="body" sz="half" idx="2"/>
-          </p:nvPr>
-        </p:nvSpPr>
-        <p:spPr/>
-        <p:txBody>
-          <a:bodyPr/>
-          <a:lstStyle/>
-          <a:p>
-            <a:r>
-              <a:rPr lang="ru-RU" dirty="0"/>
-              <a:t>На главной странице представлена основная информация о сайте. Неавторизованный пользователь может увидеть список популярных проектов на сайте, а также авторизоваться. При попытке создать проект неавторизованный пользователь перенаправляется на страницу входа в аккаунт.</a:t>
-            </a:r>
-          </a:p>
-          <a:p>
-            <a:r>
-              <a:rPr lang="ru-RU" dirty="0"/>
-              <a:t>Авторизованные пользователи также могут видеть свои проекты, могут перейти в свой личный кабинет и создать проект. </a:t>
+              <a:t>Доступ и взаимодействие пользователя со страницами проекта</a:t>
             </a:r>
             <a:endParaRPr lang="en-GB" dirty="0"/>
           </a:p>
@@ -4555,9 +6427,15 @@
       </p:sp>
       <p:pic>
         <p:nvPicPr>
-          <p:cNvPr id="5" name="Рисунок 4"/>
+          <p:cNvPr id="2050" name="Picture 2">
+            <a:extLst>
+              <a:ext uri="{FF2B5EF4-FFF2-40B4-BE49-F238E27FC236}">
+                <a16:creationId xmlns:a16="http://schemas.microsoft.com/office/drawing/2014/main" id="{A372D50F-22D0-4DEE-9778-722F5E160BFC}"/>
+              </a:ext>
+            </a:extLst>
+          </p:cNvPr>
           <p:cNvPicPr>
-            <a:picLocks noChangeAspect="1"/>
+            <a:picLocks noChangeAspect="1" noChangeArrowheads="1"/>
           </p:cNvPicPr>
           <p:nvPr/>
         </p:nvPicPr>
@@ -4569,24 +6447,35 @@
               </a:ext>
             </a:extLst>
           </a:blip>
+          <a:srcRect/>
           <a:stretch>
             <a:fillRect/>
           </a:stretch>
         </p:blipFill>
-        <p:spPr>
+        <p:spPr bwMode="auto">
           <a:xfrm>
-            <a:off x="4183749" y="680510"/>
-            <a:ext cx="6983356" cy="5229225"/>
+            <a:off x="1287204" y="8389"/>
+            <a:ext cx="8724216" cy="5100638"/>
           </a:xfrm>
           <a:prstGeom prst="rect">
             <a:avLst/>
           </a:prstGeom>
+          <a:noFill/>
+          <a:extLst>
+            <a:ext uri="{909E8E84-426E-40DD-AFC4-6F175D3DCCD1}">
+              <a14:hiddenFill xmlns:a14="http://schemas.microsoft.com/office/drawing/2010/main">
+                <a:solidFill>
+                  <a:srgbClr val="FFFFFF"/>
+                </a:solidFill>
+              </a14:hiddenFill>
+            </a:ext>
+          </a:extLst>
         </p:spPr>
       </p:pic>
     </p:spTree>
     <p:extLst>
       <p:ext uri="{BB962C8B-B14F-4D97-AF65-F5344CB8AC3E}">
-        <p14:creationId xmlns:p14="http://schemas.microsoft.com/office/powerpoint/2010/main" val="2747411671"/>
+        <p14:creationId xmlns:p14="http://schemas.microsoft.com/office/powerpoint/2010/main" val="62740214"/>
       </p:ext>
     </p:extLst>
   </p:cSld>
@@ -4630,7 +6519,7 @@
           <a:p>
             <a:r>
               <a:rPr lang="ru-RU" dirty="0"/>
-              <a:t>Страница пользователя</a:t>
+              <a:t>Страницы веб-сервиса</a:t>
             </a:r>
             <a:endParaRPr lang="en-GB" dirty="0"/>
           </a:p>
@@ -4638,67 +6527,59 @@
       </p:sp>
       <p:sp>
         <p:nvSpPr>
-          <p:cNvPr id="4" name="Текст 3"/>
-          <p:cNvSpPr>
-            <a:spLocks noGrp="1"/>
-          </p:cNvSpPr>
-          <p:nvPr>
-            <p:ph type="body" sz="half" idx="2"/>
-          </p:nvPr>
-        </p:nvSpPr>
-        <p:spPr/>
-        <p:txBody>
-          <a:bodyPr/>
-          <a:lstStyle/>
-          <a:p>
-            <a:r>
-              <a:rPr lang="ru-RU" dirty="0"/>
-              <a:t>У каждого авторизованного пользователя есть своя страница. На своей собственной странице пользователь видит список всех своих проектов, а также может менять настройки и информацию о себе.</a:t>
-            </a:r>
-          </a:p>
-          <a:p>
-            <a:r>
-              <a:rPr lang="ru-RU" dirty="0"/>
-              <a:t>На странице другого пользователя пользователь может видеть информацию о нем, список его публичных проектов. Вкладка «Настройки» и приватные проекты не отображаются. </a:t>
+          <p:cNvPr id="3" name="Текст 2"/>
+          <p:cNvSpPr>
+            <a:spLocks noGrp="1"/>
+          </p:cNvSpPr>
+          <p:nvPr>
+            <p:ph type="body" idx="1"/>
+          </p:nvPr>
+        </p:nvSpPr>
+        <p:spPr/>
+        <p:txBody>
+          <a:bodyPr/>
+          <a:lstStyle/>
+          <a:p>
+            <a:r>
+              <a:rPr lang="en-US" dirty="0"/>
+              <a:t>Frontend </a:t>
+            </a:r>
+            <a:r>
+              <a:rPr lang="ru-RU" dirty="0"/>
+              <a:t>сайта создан с помощью </a:t>
+            </a:r>
+            <a:r>
+              <a:rPr lang="en-US" dirty="0"/>
+              <a:t>React.js </a:t>
+            </a:r>
+            <a:r>
+              <a:rPr lang="ru-RU" dirty="0"/>
+              <a:t>и библиотеки </a:t>
+            </a:r>
+            <a:r>
+              <a:rPr lang="en-US" dirty="0"/>
+              <a:t>React Bootstrap. </a:t>
+            </a:r>
+            <a:r>
+              <a:rPr lang="ru-RU" dirty="0"/>
+              <a:t>Клиентский интерфейс совершает запросы к </a:t>
+            </a:r>
+            <a:r>
+              <a:rPr lang="en-US" dirty="0"/>
+              <a:t>API </a:t>
+            </a:r>
+            <a:r>
+              <a:rPr lang="ru-RU" dirty="0"/>
+              <a:t>сервиса и отображает результат на экране пользователя.</a:t>
             </a:r>
             <a:endParaRPr lang="en-GB" dirty="0"/>
           </a:p>
         </p:txBody>
       </p:sp>
-      <p:pic>
-        <p:nvPicPr>
-          <p:cNvPr id="5" name="Рисунок 4"/>
-          <p:cNvPicPr>
-            <a:picLocks noChangeAspect="1"/>
-          </p:cNvPicPr>
-          <p:nvPr/>
-        </p:nvPicPr>
-        <p:blipFill>
-          <a:blip r:embed="rId2" cstate="print">
-            <a:extLst>
-              <a:ext uri="{28A0092B-C50C-407E-A947-70E740481C1C}">
-                <a14:useLocalDpi xmlns:a14="http://schemas.microsoft.com/office/drawing/2010/main" val="0"/>
-              </a:ext>
-            </a:extLst>
-          </a:blip>
-          <a:stretch>
-            <a:fillRect/>
-          </a:stretch>
-        </p:blipFill>
-        <p:spPr>
-          <a:xfrm>
-            <a:off x="4183749" y="739338"/>
-            <a:ext cx="6983356" cy="5111568"/>
-          </a:xfrm>
-          <a:prstGeom prst="rect">
-            <a:avLst/>
-          </a:prstGeom>
-        </p:spPr>
-      </p:pic>
     </p:spTree>
     <p:extLst>
       <p:ext uri="{BB962C8B-B14F-4D97-AF65-F5344CB8AC3E}">
-        <p14:creationId xmlns:p14="http://schemas.microsoft.com/office/powerpoint/2010/main" val="3191534458"/>
+        <p14:creationId xmlns:p14="http://schemas.microsoft.com/office/powerpoint/2010/main" val="850442029"/>
       </p:ext>
     </p:extLst>
   </p:cSld>
@@ -4709,7 +6590,7 @@
 </file>
 
 <file path=ppt/slides/slide9.xml><?xml version="1.0" encoding="utf-8"?>
-<p:sld xmlns:a="http://schemas.openxmlformats.org/drawingml/2006/main" xmlns:r="http://schemas.openxmlformats.org/officeDocument/2006/relationships" xmlns:p="http://schemas.openxmlformats.org/presentationml/2006/main">
+<p:sld xmlns:a="http://schemas.openxmlformats.org/drawingml/2006/main" xmlns:r="http://schemas.openxmlformats.org/officeDocument/2006/relationships" xmlns:p="http://schemas.openxmlformats.org/presentationml/2006/main" showMasterSp="0">
   <p:cSld>
     <p:spTree>
       <p:nvGrpSpPr>
@@ -4725,68 +6606,22 @@
           <a:chExt cx="0" cy="0"/>
         </a:xfrm>
       </p:grpSpPr>
-      <p:sp>
-        <p:nvSpPr>
-          <p:cNvPr id="2" name="Заголовок 1"/>
-          <p:cNvSpPr>
-            <a:spLocks noGrp="1"/>
-          </p:cNvSpPr>
-          <p:nvPr>
-            <p:ph type="title"/>
-          </p:nvPr>
-        </p:nvSpPr>
-        <p:spPr/>
-        <p:txBody>
-          <a:bodyPr/>
-          <a:lstStyle/>
-          <a:p>
-            <a:r>
-              <a:rPr lang="ru-RU" dirty="0"/>
-              <a:t>Страница проекта</a:t>
-            </a:r>
-            <a:endParaRPr lang="en-GB" dirty="0"/>
-          </a:p>
-        </p:txBody>
-      </p:sp>
-      <p:sp>
-        <p:nvSpPr>
-          <p:cNvPr id="4" name="Текст 3"/>
-          <p:cNvSpPr>
-            <a:spLocks noGrp="1"/>
-          </p:cNvSpPr>
-          <p:nvPr>
-            <p:ph type="body" sz="half" idx="2"/>
-          </p:nvPr>
-        </p:nvSpPr>
-        <p:spPr/>
-        <p:txBody>
-          <a:bodyPr/>
-          <a:lstStyle/>
-          <a:p>
-            <a:r>
-              <a:rPr lang="ru-RU" dirty="0"/>
-              <a:t>У каждого созданного проекта есть своя страница. На странице публичного проекта всем пользователям доступна основная информация о проекте, его участниках. Пользователь может присоединиться к проекту и стать участникам.</a:t>
-            </a:r>
-          </a:p>
-          <a:p>
-            <a:r>
-              <a:rPr lang="ru-RU" dirty="0"/>
-              <a:t>Приватные проекты доступны только самим участникам, и попасть в них без приглашения модераторов нельзя. Отображаемая на странице информация и доступные действия меняются в зависимости от роли пользователя.</a:t>
-            </a:r>
-            <a:endParaRPr lang="en-GB" dirty="0"/>
-          </a:p>
-        </p:txBody>
-      </p:sp>
       <p:pic>
         <p:nvPicPr>
-          <p:cNvPr id="5" name="Рисунок 4"/>
+          <p:cNvPr id="6" name="Рисунок 5">
+            <a:extLst>
+              <a:ext uri="{FF2B5EF4-FFF2-40B4-BE49-F238E27FC236}">
+                <a16:creationId xmlns:a16="http://schemas.microsoft.com/office/drawing/2014/main" id="{21FD2D20-E7EA-4A36-9BE5-4F5D9E0980E1}"/>
+              </a:ext>
+            </a:extLst>
+          </p:cNvPr>
           <p:cNvPicPr>
             <a:picLocks noChangeAspect="1"/>
           </p:cNvPicPr>
           <p:nvPr/>
         </p:nvPicPr>
         <p:blipFill>
-          <a:blip r:embed="rId2" cstate="print">
+          <a:blip r:embed="rId2">
             <a:extLst>
               <a:ext uri="{28A0092B-C50C-407E-A947-70E740481C1C}">
                 <a14:useLocalDpi xmlns:a14="http://schemas.microsoft.com/office/drawing/2010/main" val="0"/>
@@ -4799,18 +6634,165 @@
         </p:blipFill>
         <p:spPr>
           <a:xfrm>
-            <a:off x="4656639" y="202623"/>
-            <a:ext cx="6037576" cy="6184998"/>
+            <a:off x="3946908" y="2846279"/>
+            <a:ext cx="8231693" cy="1165441"/>
           </a:xfrm>
           <a:prstGeom prst="rect">
             <a:avLst/>
           </a:prstGeom>
         </p:spPr>
       </p:pic>
+      <p:sp>
+        <p:nvSpPr>
+          <p:cNvPr id="2" name="Заголовок 1"/>
+          <p:cNvSpPr>
+            <a:spLocks noGrp="1"/>
+          </p:cNvSpPr>
+          <p:nvPr>
+            <p:ph type="title"/>
+          </p:nvPr>
+        </p:nvSpPr>
+        <p:spPr>
+          <a:xfrm>
+            <a:off x="841248" y="457200"/>
+            <a:ext cx="2598238" cy="1600197"/>
+          </a:xfrm>
+        </p:spPr>
+        <p:txBody>
+          <a:bodyPr/>
+          <a:lstStyle/>
+          <a:p>
+            <a:r>
+              <a:rPr lang="ru-RU" dirty="0"/>
+              <a:t>Шапка сайта</a:t>
+            </a:r>
+            <a:endParaRPr lang="en-GB" dirty="0"/>
+          </a:p>
+        </p:txBody>
+      </p:sp>
+      <p:sp>
+        <p:nvSpPr>
+          <p:cNvPr id="4" name="Текст 3"/>
+          <p:cNvSpPr>
+            <a:spLocks noGrp="1"/>
+          </p:cNvSpPr>
+          <p:nvPr>
+            <p:ph type="body" sz="half" idx="2"/>
+          </p:nvPr>
+        </p:nvSpPr>
+        <p:spPr>
+          <a:xfrm>
+            <a:off x="841248" y="2099734"/>
+            <a:ext cx="3200400" cy="4133286"/>
+          </a:xfrm>
+        </p:spPr>
+        <p:txBody>
+          <a:bodyPr>
+            <a:noAutofit/>
+          </a:bodyPr>
+          <a:lstStyle/>
+          <a:p>
+            <a:r>
+              <a:rPr lang="ru-RU" dirty="0"/>
+              <a:t>Панель навигации будет находиться на каждой странице, кроме редактора текста. На панели находится лого сайта и ссылки на другие страницы.</a:t>
+            </a:r>
+          </a:p>
+          <a:p>
+            <a:pPr>
+              <a:lnSpc>
+                <a:spcPct val="100000"/>
+              </a:lnSpc>
+              <a:spcAft>
+                <a:spcPts val="0"/>
+              </a:spcAft>
+            </a:pPr>
+            <a:r>
+              <a:rPr lang="ru-RU" dirty="0"/>
+              <a:t>Функционал:</a:t>
+            </a:r>
+          </a:p>
+          <a:p>
+            <a:pPr marL="285750" indent="-285750">
+              <a:lnSpc>
+                <a:spcPct val="100000"/>
+              </a:lnSpc>
+              <a:spcBef>
+                <a:spcPts val="200"/>
+              </a:spcBef>
+              <a:buFont typeface="Arial" panose="020B0604020202020204" pitchFamily="34" charset="0"/>
+              <a:buChar char="•"/>
+            </a:pPr>
+            <a:r>
+              <a:rPr lang="ru-RU" dirty="0"/>
+              <a:t>Переходы по кнопкам на страницы:</a:t>
+            </a:r>
+          </a:p>
+          <a:p>
+            <a:pPr marL="742950" lvl="1" indent="-285750">
+              <a:buFont typeface="Arial" panose="020B0604020202020204" pitchFamily="34" charset="0"/>
+              <a:buChar char="•"/>
+            </a:pPr>
+            <a:r>
+              <a:rPr lang="ru-RU" sz="1300" dirty="0"/>
+              <a:t>Главная.</a:t>
+            </a:r>
+          </a:p>
+          <a:p>
+            <a:pPr marL="742950" lvl="1" indent="-285750">
+              <a:buFont typeface="Arial" panose="020B0604020202020204" pitchFamily="34" charset="0"/>
+              <a:buChar char="•"/>
+            </a:pPr>
+            <a:r>
+              <a:rPr lang="ru-RU" sz="1300" dirty="0"/>
+              <a:t>Проекты пользователя.</a:t>
+            </a:r>
+          </a:p>
+          <a:p>
+            <a:pPr marL="742950" lvl="1" indent="-285750">
+              <a:buFont typeface="Arial" panose="020B0604020202020204" pitchFamily="34" charset="0"/>
+              <a:buChar char="•"/>
+            </a:pPr>
+            <a:r>
+              <a:rPr lang="ru-RU" sz="1300" dirty="0"/>
+              <a:t>Поиск проекта.</a:t>
+            </a:r>
+          </a:p>
+          <a:p>
+            <a:pPr marL="742950" lvl="1" indent="-285750">
+              <a:spcAft>
+                <a:spcPts val="200"/>
+              </a:spcAft>
+              <a:buFont typeface="Arial" panose="020B0604020202020204" pitchFamily="34" charset="0"/>
+              <a:buChar char="•"/>
+            </a:pPr>
+            <a:r>
+              <a:rPr lang="ru-RU" sz="1300" dirty="0"/>
+              <a:t>Если пользователь не авторизован: авторизация и регистрация.</a:t>
+            </a:r>
+          </a:p>
+          <a:p>
+            <a:pPr marL="285750" indent="-285750">
+              <a:lnSpc>
+                <a:spcPct val="100000"/>
+              </a:lnSpc>
+              <a:spcBef>
+                <a:spcPts val="200"/>
+              </a:spcBef>
+              <a:buFont typeface="Arial" panose="020B0604020202020204" pitchFamily="34" charset="0"/>
+              <a:buChar char="•"/>
+            </a:pPr>
+            <a:r>
+              <a:rPr lang="ru-RU" dirty="0"/>
+              <a:t>Кнопка с логином авторизованного пользователя, по которой можно перейти в личный кабинет.</a:t>
+            </a:r>
+            <a:endParaRPr lang="en-GB" dirty="0"/>
+          </a:p>
+        </p:txBody>
+      </p:sp>
     </p:spTree>
     <p:extLst>
       <p:ext uri="{BB962C8B-B14F-4D97-AF65-F5344CB8AC3E}">
-        <p14:creationId xmlns:p14="http://schemas.microsoft.com/office/powerpoint/2010/main" val="3954902561"/>
+        <p14:creationId xmlns:p14="http://schemas.microsoft.com/office/powerpoint/2010/main" val="3720792672"/>
       </p:ext>
     </p:extLst>
   </p:cSld>

--- a/вебы/презентация/Веб-сервис для коллективных переводов.pptx
+++ b/вебы/презентация/Веб-сервис для коллективных переводов.pptx
@@ -27,8 +27,9 @@
     <p:sldId id="278" r:id="rId21"/>
     <p:sldId id="280" r:id="rId22"/>
     <p:sldId id="281" r:id="rId23"/>
-    <p:sldId id="266" r:id="rId24"/>
-    <p:sldId id="282" r:id="rId25"/>
+    <p:sldId id="283" r:id="rId24"/>
+    <p:sldId id="266" r:id="rId25"/>
+    <p:sldId id="282" r:id="rId26"/>
   </p:sldIdLst>
   <p:sldSz cx="12192000" cy="6858000"/>
   <p:notesSz cx="6858000" cy="9144000"/>
@@ -5687,6 +5688,389 @@
       </p:grpSpPr>
       <p:sp>
         <p:nvSpPr>
+          <p:cNvPr id="5" name="Заголовок 4">
+            <a:extLst>
+              <a:ext uri="{FF2B5EF4-FFF2-40B4-BE49-F238E27FC236}">
+                <a16:creationId xmlns:a16="http://schemas.microsoft.com/office/drawing/2014/main" id="{7560A900-6727-4F94-9BA2-F7D93E8DB1E1}"/>
+              </a:ext>
+            </a:extLst>
+          </p:cNvPr>
+          <p:cNvSpPr>
+            <a:spLocks noGrp="1"/>
+          </p:cNvSpPr>
+          <p:nvPr>
+            <p:ph type="title"/>
+          </p:nvPr>
+        </p:nvSpPr>
+        <p:spPr/>
+        <p:txBody>
+          <a:bodyPr/>
+          <a:lstStyle/>
+          <a:p>
+            <a:r>
+              <a:rPr lang="ru-RU" dirty="0"/>
+              <a:t>Установка</a:t>
+            </a:r>
+            <a:endParaRPr lang="en-GB" dirty="0"/>
+          </a:p>
+        </p:txBody>
+      </p:sp>
+      <p:sp>
+        <p:nvSpPr>
+          <p:cNvPr id="6" name="Объект 5">
+            <a:extLst>
+              <a:ext uri="{FF2B5EF4-FFF2-40B4-BE49-F238E27FC236}">
+                <a16:creationId xmlns:a16="http://schemas.microsoft.com/office/drawing/2014/main" id="{8EB2A506-FA4D-4115-AB98-C771566F260D}"/>
+              </a:ext>
+            </a:extLst>
+          </p:cNvPr>
+          <p:cNvSpPr>
+            <a:spLocks noGrp="1"/>
+          </p:cNvSpPr>
+          <p:nvPr>
+            <p:ph idx="1"/>
+          </p:nvPr>
+        </p:nvSpPr>
+        <p:spPr/>
+        <p:txBody>
+          <a:bodyPr>
+            <a:noAutofit/>
+          </a:bodyPr>
+          <a:lstStyle/>
+          <a:p>
+            <a:r>
+              <a:rPr lang="ru-RU" sz="1300" dirty="0"/>
+              <a:t>Поскольку проект требует размещения на собственном сервере, что делает затруднительным его запуска для доступном для студентов сервере </a:t>
+            </a:r>
+            <a:r>
+              <a:rPr lang="en-US" sz="1300" dirty="0"/>
+              <a:t>kappa, </a:t>
+            </a:r>
+            <a:r>
+              <a:rPr lang="ru-RU" sz="1300" dirty="0"/>
+              <a:t>проект получит собственный домен в будущем. В настоящий момент код проекта находится в открытом доступе, и его можно установить локально на своем персональном компьютере. Для этого нужно:</a:t>
+            </a:r>
+          </a:p>
+          <a:p>
+            <a:pPr marL="342900" indent="-342900">
+              <a:lnSpc>
+                <a:spcPct val="100000"/>
+              </a:lnSpc>
+              <a:spcBef>
+                <a:spcPts val="200"/>
+              </a:spcBef>
+              <a:buFont typeface="+mj-lt"/>
+              <a:buAutoNum type="arabicPeriod"/>
+            </a:pPr>
+            <a:r>
+              <a:rPr lang="ru-RU" sz="1300" dirty="0"/>
+              <a:t>Перейти по ссылке на страницу репозитория на сайте </a:t>
+            </a:r>
+            <a:r>
+              <a:rPr lang="ru-RU" sz="1300" dirty="0" err="1"/>
+              <a:t>Github</a:t>
+            </a:r>
+            <a:r>
+              <a:rPr lang="ru-RU" sz="1300" dirty="0"/>
+              <a:t>: </a:t>
+            </a:r>
+            <a:r>
+              <a:rPr lang="en-US" sz="1300" dirty="0">
+                <a:hlinkClick r:id="rId2"/>
+              </a:rPr>
+              <a:t>https://github.com/ipaingo/Desman-Translate</a:t>
+            </a:r>
+            <a:endParaRPr lang="ru-RU" sz="1300" dirty="0"/>
+          </a:p>
+          <a:p>
+            <a:pPr marL="342900" indent="-342900">
+              <a:lnSpc>
+                <a:spcPct val="100000"/>
+              </a:lnSpc>
+              <a:spcBef>
+                <a:spcPts val="200"/>
+              </a:spcBef>
+              <a:buFont typeface="+mj-lt"/>
+              <a:buAutoNum type="arabicPeriod"/>
+            </a:pPr>
+            <a:r>
+              <a:rPr lang="ru-RU" sz="1300" dirty="0"/>
+              <a:t>Скачать и разархивировать проект или клонировать </a:t>
+            </a:r>
+            <a:r>
+              <a:rPr lang="ru-RU" sz="1300" dirty="0" err="1"/>
+              <a:t>git</a:t>
+            </a:r>
+            <a:r>
+              <a:rPr lang="ru-RU" sz="1300" dirty="0"/>
+              <a:t>-репозиторий на сервере или в локальном хранилище.</a:t>
+            </a:r>
+          </a:p>
+          <a:p>
+            <a:pPr marL="342900" indent="-342900">
+              <a:lnSpc>
+                <a:spcPct val="100000"/>
+              </a:lnSpc>
+              <a:spcBef>
+                <a:spcPts val="200"/>
+              </a:spcBef>
+              <a:buFont typeface="+mj-lt"/>
+              <a:buAutoNum type="arabicPeriod"/>
+            </a:pPr>
+            <a:r>
+              <a:rPr lang="ru-RU" sz="1300" dirty="0" err="1"/>
+              <a:t>Окрыть</a:t>
+            </a:r>
+            <a:r>
+              <a:rPr lang="ru-RU" sz="1300" dirty="0"/>
+              <a:t> терминал, перейти в папку скачанного проекта, убедиться, что пользователь имеет установщик пакетов </a:t>
+            </a:r>
+            <a:r>
+              <a:rPr lang="ru-RU" sz="1300" dirty="0" err="1"/>
+              <a:t>npm</a:t>
+            </a:r>
+            <a:r>
+              <a:rPr lang="ru-RU" sz="1300" dirty="0"/>
+              <a:t>. Выполнить команду "</a:t>
+            </a:r>
+            <a:r>
+              <a:rPr lang="ru-RU" sz="1300" dirty="0" err="1"/>
+              <a:t>npm</a:t>
+            </a:r>
+            <a:r>
+              <a:rPr lang="ru-RU" sz="1300" dirty="0"/>
+              <a:t> </a:t>
+            </a:r>
+            <a:r>
+              <a:rPr lang="ru-RU" sz="1300" dirty="0" err="1"/>
+              <a:t>install</a:t>
+            </a:r>
+            <a:r>
+              <a:rPr lang="ru-RU" sz="1300" dirty="0"/>
+              <a:t>".</a:t>
+            </a:r>
+          </a:p>
+          <a:p>
+            <a:pPr marL="342900" indent="-342900">
+              <a:lnSpc>
+                <a:spcPct val="100000"/>
+              </a:lnSpc>
+              <a:spcBef>
+                <a:spcPts val="200"/>
+              </a:spcBef>
+              <a:buFont typeface="+mj-lt"/>
+              <a:buAutoNum type="arabicPeriod"/>
+            </a:pPr>
+            <a:r>
+              <a:rPr lang="ru-RU" sz="1300" dirty="0"/>
+              <a:t>Если необходимо запустить сайт на локальном сервере – написать команду в терминале "</a:t>
+            </a:r>
+            <a:r>
+              <a:rPr lang="ru-RU" sz="1300" dirty="0" err="1"/>
+              <a:t>npm</a:t>
+            </a:r>
+            <a:r>
+              <a:rPr lang="ru-RU" sz="1300" dirty="0"/>
+              <a:t> </a:t>
+            </a:r>
+            <a:r>
+              <a:rPr lang="ru-RU" sz="1300" dirty="0" err="1"/>
+              <a:t>start</a:t>
+            </a:r>
+            <a:r>
+              <a:rPr lang="ru-RU" sz="1300" dirty="0"/>
+              <a:t>". Сайт будет доступен по адресу http://localhost:3000/</a:t>
+            </a:r>
+          </a:p>
+          <a:p>
+            <a:pPr marL="342900" indent="-342900">
+              <a:lnSpc>
+                <a:spcPct val="100000"/>
+              </a:lnSpc>
+              <a:spcBef>
+                <a:spcPts val="200"/>
+              </a:spcBef>
+              <a:buFont typeface="+mj-lt"/>
+              <a:buAutoNum type="arabicPeriod"/>
+            </a:pPr>
+            <a:r>
+              <a:rPr lang="ru-RU" sz="1300" dirty="0"/>
+              <a:t>Если необходимо развернуть сайт на сервере – написать команду "</a:t>
+            </a:r>
+            <a:r>
+              <a:rPr lang="ru-RU" sz="1300" dirty="0" err="1"/>
+              <a:t>npm</a:t>
+            </a:r>
+            <a:r>
+              <a:rPr lang="ru-RU" sz="1300" dirty="0"/>
+              <a:t> </a:t>
+            </a:r>
+            <a:r>
+              <a:rPr lang="ru-RU" sz="1300" dirty="0" err="1"/>
+              <a:t>run</a:t>
+            </a:r>
+            <a:r>
+              <a:rPr lang="ru-RU" sz="1300" dirty="0"/>
+              <a:t> </a:t>
+            </a:r>
+            <a:r>
+              <a:rPr lang="ru-RU" sz="1300" dirty="0" err="1"/>
+              <a:t>build</a:t>
+            </a:r>
+            <a:r>
+              <a:rPr lang="ru-RU" sz="1300" dirty="0"/>
+              <a:t>". Создастся директория </a:t>
+            </a:r>
+            <a:r>
+              <a:rPr lang="ru-RU" sz="1300" dirty="0" err="1"/>
+              <a:t>build</a:t>
+            </a:r>
+            <a:r>
+              <a:rPr lang="ru-RU" sz="1300" dirty="0"/>
+              <a:t> – это готовое приложение, которое можно разместить на сервере.</a:t>
+            </a:r>
+          </a:p>
+          <a:p>
+            <a:pPr marL="342900" indent="-342900">
+              <a:lnSpc>
+                <a:spcPct val="100000"/>
+              </a:lnSpc>
+              <a:spcBef>
+                <a:spcPts val="200"/>
+              </a:spcBef>
+              <a:buFont typeface="+mj-lt"/>
+              <a:buAutoNum type="arabicPeriod"/>
+            </a:pPr>
+            <a:r>
+              <a:rPr lang="ru-RU" sz="1300" dirty="0"/>
+              <a:t>Для запуска проекта на локальной машине:</a:t>
+            </a:r>
+          </a:p>
+          <a:p>
+            <a:pPr marL="342900" indent="-342900">
+              <a:lnSpc>
+                <a:spcPct val="100000"/>
+              </a:lnSpc>
+              <a:spcBef>
+                <a:spcPts val="200"/>
+              </a:spcBef>
+              <a:buFont typeface="+mj-lt"/>
+              <a:buAutoNum type="arabicPeriod"/>
+            </a:pPr>
+            <a:r>
+              <a:rPr lang="ru-RU" sz="1300" dirty="0"/>
+              <a:t>В терминале, находясь в директории проекта, написать команду </a:t>
+            </a:r>
+            <a:r>
+              <a:rPr lang="ru-RU" sz="1300" dirty="0" err="1"/>
+              <a:t>npm</a:t>
+            </a:r>
+            <a:r>
+              <a:rPr lang="ru-RU" sz="1300" dirty="0"/>
+              <a:t> </a:t>
+            </a:r>
+            <a:r>
+              <a:rPr lang="ru-RU" sz="1300" dirty="0" err="1"/>
+              <a:t>run</a:t>
+            </a:r>
+            <a:r>
+              <a:rPr lang="ru-RU" sz="1300" dirty="0"/>
+              <a:t> </a:t>
+            </a:r>
+            <a:r>
+              <a:rPr lang="ru-RU" sz="1300" dirty="0" err="1"/>
+              <a:t>build</a:t>
+            </a:r>
+            <a:r>
+              <a:rPr lang="ru-RU" sz="1300" dirty="0"/>
+              <a:t>.</a:t>
+            </a:r>
+          </a:p>
+          <a:p>
+            <a:pPr marL="342900" indent="-342900">
+              <a:lnSpc>
+                <a:spcPct val="100000"/>
+              </a:lnSpc>
+              <a:spcBef>
+                <a:spcPts val="200"/>
+              </a:spcBef>
+              <a:buFont typeface="+mj-lt"/>
+              <a:buAutoNum type="arabicPeriod"/>
+            </a:pPr>
+            <a:r>
+              <a:rPr lang="ru-RU" sz="1300" dirty="0"/>
+              <a:t>В директории создастся папка </a:t>
+            </a:r>
+            <a:r>
+              <a:rPr lang="ru-RU" sz="1300" dirty="0" err="1"/>
+              <a:t>build</a:t>
+            </a:r>
+            <a:r>
+              <a:rPr lang="ru-RU" sz="1300" dirty="0"/>
+              <a:t>, в которой находится файл index.html, который и является исполняемым файлом.</a:t>
+            </a:r>
+          </a:p>
+          <a:p>
+            <a:pPr marL="342900" indent="-342900">
+              <a:lnSpc>
+                <a:spcPct val="100000"/>
+              </a:lnSpc>
+              <a:spcBef>
+                <a:spcPts val="200"/>
+              </a:spcBef>
+              <a:buFont typeface="+mj-lt"/>
+              <a:buAutoNum type="arabicPeriod"/>
+            </a:pPr>
+            <a:r>
+              <a:rPr lang="ru-RU" sz="1300" dirty="0"/>
+              <a:t>Папку </a:t>
+            </a:r>
+            <a:r>
+              <a:rPr lang="ru-RU" sz="1300" dirty="0" err="1"/>
+              <a:t>build</a:t>
+            </a:r>
+            <a:r>
+              <a:rPr lang="ru-RU" sz="1300" dirty="0"/>
+              <a:t> можно разместить на сервере.</a:t>
+            </a:r>
+          </a:p>
+          <a:p>
+            <a:endParaRPr lang="en-GB" sz="1200" dirty="0"/>
+          </a:p>
+        </p:txBody>
+      </p:sp>
+    </p:spTree>
+    <p:extLst>
+      <p:ext uri="{BB962C8B-B14F-4D97-AF65-F5344CB8AC3E}">
+        <p14:creationId xmlns:p14="http://schemas.microsoft.com/office/powerpoint/2010/main" val="1203184751"/>
+      </p:ext>
+    </p:extLst>
+  </p:cSld>
+  <p:clrMapOvr>
+    <a:masterClrMapping/>
+  </p:clrMapOvr>
+</p:sld>
+</file>
+
+<file path=ppt/slides/slide24.xml><?xml version="1.0" encoding="utf-8"?>
+<p:sld xmlns:a="http://schemas.openxmlformats.org/drawingml/2006/main" xmlns:r="http://schemas.openxmlformats.org/officeDocument/2006/relationships" xmlns:p="http://schemas.openxmlformats.org/presentationml/2006/main">
+  <p:cSld>
+    <p:spTree>
+      <p:nvGrpSpPr>
+        <p:cNvPr id="1" name=""/>
+        <p:cNvGrpSpPr/>
+        <p:nvPr/>
+      </p:nvGrpSpPr>
+      <p:grpSpPr>
+        <a:xfrm>
+          <a:off x="0" y="0"/>
+          <a:ext cx="0" cy="0"/>
+          <a:chOff x="0" y="0"/>
+          <a:chExt cx="0" cy="0"/>
+        </a:xfrm>
+      </p:grpSpPr>
+      <p:sp>
+        <p:nvSpPr>
           <p:cNvPr id="2" name="Заголовок 1"/>
           <p:cNvSpPr>
             <a:spLocks noGrp="1"/>
@@ -5834,7 +6218,7 @@
 </p:sld>
 </file>
 
-<file path=ppt/slides/slide24.xml><?xml version="1.0" encoding="utf-8"?>
+<file path=ppt/slides/slide25.xml><?xml version="1.0" encoding="utf-8"?>
 <p:sld xmlns:a="http://schemas.openxmlformats.org/drawingml/2006/main" xmlns:r="http://schemas.openxmlformats.org/officeDocument/2006/relationships" xmlns:p="http://schemas.openxmlformats.org/presentationml/2006/main">
   <p:cSld>
     <p:spTree>
